--- a/QseEvolvingKgWebApp/notes/Proposal/Proposal_Presentation.pptx
+++ b/QseEvolvingKgWebApp/notes/Proposal/Proposal_Presentation.pptx
@@ -631,6 +631,12 @@
           <a:p>
             <a:r>
               <a:rPr lang="en-AU" dirty="0"/>
+              <a:t>Data quality: no schema in knowledge graphs, you can do anything</a:t>
+            </a:r>
+          </a:p>
+          <a:p>
+            <a:r>
+              <a:rPr lang="en-AU" dirty="0"/>
               <a:t>SHACL: </a:t>
             </a:r>
             <a:r>
@@ -641,8 +647,25 @@
                 <a:effectLst/>
                 <a:latin typeface="Google Sans"/>
               </a:rPr>
-              <a:t>W3C standard for the validation of RDF graphs</a:t>
+              <a:t>W3C standard for the validation of RDF graphs, bad example </a:t>
             </a:r>
+            <a:r>
+              <a:rPr lang="en-AU" b="0" i="0" dirty="0" err="1">
+                <a:solidFill>
+                  <a:srgbClr val="202124"/>
+                </a:solidFill>
+                <a:effectLst/>
+                <a:latin typeface="Google Sans"/>
+              </a:rPr>
+              <a:t>ex:flightNumber</a:t>
+            </a:r>
+            <a:endParaRPr lang="en-AU" b="0" i="0" dirty="0">
+              <a:solidFill>
+                <a:srgbClr val="202124"/>
+              </a:solidFill>
+              <a:effectLst/>
+              <a:latin typeface="Google Sans"/>
+            </a:endParaRPr>
           </a:p>
           <a:p>
             <a:r>
@@ -653,7 +676,7 @@
                 <a:effectLst/>
                 <a:latin typeface="Google Sans"/>
               </a:rPr>
-              <a:t>QSE: quality shape extraction -&gt; (manual steps) -&gt;  omit shapes</a:t>
+              <a:t>QSE: quality shape extraction -&gt; (manual steps) -&gt;  omit nodes</a:t>
             </a:r>
           </a:p>
           <a:p>
@@ -661,6 +684,13 @@
               <a:rPr lang="en-GB" dirty="0"/>
               <a:t>Room for improvement -&gt; faster, compare shapes between versions, maybe minimal changes</a:t>
             </a:r>
+          </a:p>
+          <a:p>
+            <a:r>
+              <a:rPr lang="en-AU" dirty="0"/>
+              <a:t>After this thesis is finished, users should be able to conveniently and efficiently compare SHACL shapes across various versions of a knowledge graph.</a:t>
+            </a:r>
+            <a:endParaRPr lang="en-GB" dirty="0"/>
           </a:p>
         </p:txBody>
       </p:sp>
@@ -787,19 +817,36 @@
           <a:p>
             <a:r>
               <a:rPr lang="en-AU" dirty="0"/>
-              <a:t>RQ2: goal: algorithm</a:t>
+              <a:t>Goals: algorithms</a:t>
+            </a:r>
+          </a:p>
+          <a:p>
+            <a:pPr marL="0" marR="0" lvl="0" indent="0" algn="l" defTabSz="914400" rtl="0" eaLnBrk="0" fontAlgn="base" latinLnBrk="0" hangingPunct="0">
+              <a:lnSpc>
+                <a:spcPct val="100000"/>
+              </a:lnSpc>
+              <a:spcBef>
+                <a:spcPct val="30000"/>
+              </a:spcBef>
+              <a:spcAft>
+                <a:spcPct val="0"/>
+              </a:spcAft>
+              <a:buClrTx/>
+              <a:buSzTx/>
+              <a:buFontTx/>
+              <a:buNone/>
+              <a:tabLst/>
+              <a:defRPr/>
+            </a:pPr>
+            <a:r>
+              <a:rPr lang="en-AU" dirty="0"/>
+              <a:t>Appropriate for RQ2, RQ3 and RQ4 means correct and faster in comparison to the baseline (run QSE and V1, run QSE on V2, plus time for a self-made script which compares S1 and S2)</a:t>
             </a:r>
           </a:p>
           <a:p>
             <a:r>
               <a:rPr lang="en-AU" dirty="0"/>
               <a:t>RQ4: SPARQL query language</a:t>
-            </a:r>
-          </a:p>
-          <a:p>
-            <a:r>
-              <a:rPr lang="en-AU" dirty="0"/>
-              <a:t>Appropriate for RQ2, RQ3 and RQ4 means correct and faster in comparison to the baseline (run QSE and V1, run QSE on V2, plus time for a self-made script which compares S1 and S2)</a:t>
             </a:r>
           </a:p>
         </p:txBody>
@@ -818,6 +865,93 @@
 </file>
 
 <file path=ppt/notesSlides/notesSlide4.xml><?xml version="1.0" encoding="utf-8"?>
+<p:notes xmlns:a="http://schemas.openxmlformats.org/drawingml/2006/main" xmlns:r="http://schemas.openxmlformats.org/officeDocument/2006/relationships" xmlns:p="http://schemas.openxmlformats.org/presentationml/2006/main">
+  <p:cSld>
+    <p:spTree>
+      <p:nvGrpSpPr>
+        <p:cNvPr id="1" name=""/>
+        <p:cNvGrpSpPr/>
+        <p:nvPr/>
+      </p:nvGrpSpPr>
+      <p:grpSpPr>
+        <a:xfrm>
+          <a:off x="0" y="0"/>
+          <a:ext cx="0" cy="0"/>
+          <a:chOff x="0" y="0"/>
+          <a:chExt cx="0" cy="0"/>
+        </a:xfrm>
+      </p:grpSpPr>
+      <p:sp>
+        <p:nvSpPr>
+          <p:cNvPr id="2" name="Slide Image Placeholder 1"/>
+          <p:cNvSpPr>
+            <a:spLocks noGrp="1" noRot="1" noChangeAspect="1"/>
+          </p:cNvSpPr>
+          <p:nvPr>
+            <p:ph type="sldImg"/>
+          </p:nvPr>
+        </p:nvSpPr>
+        <p:spPr/>
+      </p:sp>
+      <p:sp>
+        <p:nvSpPr>
+          <p:cNvPr id="3" name="Notes Placeholder 2"/>
+          <p:cNvSpPr>
+            <a:spLocks noGrp="1"/>
+          </p:cNvSpPr>
+          <p:nvPr>
+            <p:ph type="body" idx="1"/>
+          </p:nvPr>
+        </p:nvSpPr>
+        <p:spPr/>
+        <p:txBody>
+          <a:bodyPr/>
+          <a:lstStyle/>
+          <a:p>
+            <a:r>
+              <a:rPr lang="en-AU" dirty="0"/>
+              <a:t>evolving knowledge graphs and defining versions of a graph in general</a:t>
+            </a:r>
+          </a:p>
+          <a:p>
+            <a:r>
+              <a:rPr lang="en-AU" dirty="0"/>
+              <a:t>how data quality can be ensured in knowledge graphs</a:t>
+            </a:r>
+          </a:p>
+          <a:p>
+            <a:r>
+              <a:rPr lang="en-AU" dirty="0"/>
+              <a:t>SHACLGEN or </a:t>
+            </a:r>
+            <a:r>
+              <a:rPr lang="en-AU" dirty="0" err="1"/>
+              <a:t>ShapeDesigner</a:t>
+            </a:r>
+            <a:endParaRPr lang="en-AU" dirty="0"/>
+          </a:p>
+          <a:p>
+            <a:r>
+              <a:rPr lang="en-AU" dirty="0"/>
+              <a:t>more algorithms, that automatically extract a schema from data, but have several other shortcomings </a:t>
+            </a:r>
+          </a:p>
+        </p:txBody>
+      </p:sp>
+    </p:spTree>
+    <p:extLst>
+      <p:ext uri="{BB962C8B-B14F-4D97-AF65-F5344CB8AC3E}">
+        <p14:creationId xmlns:p14="http://schemas.microsoft.com/office/powerpoint/2010/main" val="653150568"/>
+      </p:ext>
+    </p:extLst>
+  </p:cSld>
+  <p:clrMapOvr>
+    <a:masterClrMapping/>
+  </p:clrMapOvr>
+</p:notes>
+</file>
+
+<file path=ppt/notesSlides/notesSlide5.xml><?xml version="1.0" encoding="utf-8"?>
 <p:notes xmlns:a="http://schemas.openxmlformats.org/drawingml/2006/main" xmlns:r="http://schemas.openxmlformats.org/officeDocument/2006/relationships" xmlns:p="http://schemas.openxmlformats.org/presentationml/2006/main">
   <p:cSld>
     <p:spTree>
@@ -23252,7 +23386,7 @@
           <p:nvPr>
             <p:extLst>
               <p:ext uri="{D42A27DB-BD31-4B8C-83A1-F6EECF244321}">
-                <p14:modId xmlns:p14="http://schemas.microsoft.com/office/powerpoint/2010/main" val="3125077447"/>
+                <p14:modId xmlns:p14="http://schemas.microsoft.com/office/powerpoint/2010/main" val="3038248260"/>
               </p:ext>
             </p:extLst>
           </p:nvPr>
@@ -23752,7 +23886,7 @@
         </p:nvSpPr>
         <p:spPr bwMode="auto">
           <a:xfrm>
-            <a:off x="8597165" y="2845967"/>
+            <a:off x="8594027" y="2845967"/>
             <a:ext cx="2592288" cy="1358867"/>
           </a:xfrm>
           <a:prstGeom prst="rect">
@@ -24048,6 +24182,164 @@
           </a:p>
         </p:txBody>
       </p:sp>
+      <p:sp>
+        <p:nvSpPr>
+          <p:cNvPr id="5" name="Rectangle 4">
+            <a:extLst>
+              <a:ext uri="{FF2B5EF4-FFF2-40B4-BE49-F238E27FC236}">
+                <a16:creationId xmlns:a16="http://schemas.microsoft.com/office/drawing/2014/main" id="{6B8C0D7C-5F3B-89A6-0B08-2299553F37B6}"/>
+              </a:ext>
+            </a:extLst>
+          </p:cNvPr>
+          <p:cNvSpPr/>
+          <p:nvPr/>
+        </p:nvSpPr>
+        <p:spPr bwMode="auto">
+          <a:xfrm>
+            <a:off x="4240621" y="2753401"/>
+            <a:ext cx="7272808" cy="1623642"/>
+          </a:xfrm>
+          <a:prstGeom prst="rect">
+            <a:avLst/>
+          </a:prstGeom>
+          <a:noFill/>
+          <a:ln>
+            <a:headEnd type="none" w="med" len="med"/>
+            <a:tailEnd type="none" w="med" len="med"/>
+          </a:ln>
+        </p:spPr>
+        <p:style>
+          <a:lnRef idx="2">
+            <a:schemeClr val="dk1"/>
+          </a:lnRef>
+          <a:fillRef idx="1">
+            <a:schemeClr val="lt1"/>
+          </a:fillRef>
+          <a:effectRef idx="0">
+            <a:schemeClr val="dk1"/>
+          </a:effectRef>
+          <a:fontRef idx="minor">
+            <a:schemeClr val="dk1"/>
+          </a:fontRef>
+        </p:style>
+        <p:txBody>
+          <a:bodyPr rot="0" spcFirstLastPara="0" vertOverflow="overflow" horzOverflow="overflow" vert="horz" wrap="square" lIns="91440" tIns="45720" rIns="91440" bIns="45720" numCol="1" spcCol="0" rtlCol="0" fromWordArt="0" anchor="t" anchorCtr="0" forceAA="0" compatLnSpc="1">
+            <a:prstTxWarp prst="textNoShape">
+              <a:avLst/>
+            </a:prstTxWarp>
+            <a:noAutofit/>
+          </a:bodyPr>
+          <a:lstStyle/>
+          <a:p>
+            <a:pPr marL="0" marR="0" indent="0" algn="l" defTabSz="914400" rtl="0" eaLnBrk="1" fontAlgn="base" latinLnBrk="0" hangingPunct="1">
+              <a:lnSpc>
+                <a:spcPct val="100000"/>
+              </a:lnSpc>
+              <a:spcBef>
+                <a:spcPct val="0"/>
+              </a:spcBef>
+              <a:spcAft>
+                <a:spcPct val="0"/>
+              </a:spcAft>
+              <a:buClrTx/>
+              <a:buSzTx/>
+              <a:buFontTx/>
+              <a:buNone/>
+              <a:tabLst/>
+            </a:pPr>
+            <a:r>
+              <a:rPr lang="de-DE" dirty="0"/>
+              <a:t>RQ1</a:t>
+            </a:r>
+            <a:endParaRPr kumimoji="0" lang="en-AU" sz="1800" b="0" i="0" u="none" strike="noStrike" cap="none" normalizeH="0" baseline="0" dirty="0">
+              <a:ln>
+                <a:noFill/>
+              </a:ln>
+              <a:effectLst/>
+              <a:latin typeface="Arial" charset="0"/>
+            </a:endParaRPr>
+          </a:p>
+        </p:txBody>
+      </p:sp>
+      <p:sp>
+        <p:nvSpPr>
+          <p:cNvPr id="6" name="Rectangle 5">
+            <a:extLst>
+              <a:ext uri="{FF2B5EF4-FFF2-40B4-BE49-F238E27FC236}">
+                <a16:creationId xmlns:a16="http://schemas.microsoft.com/office/drawing/2014/main" id="{7ECD3D19-11F5-C91C-3914-8AA04592447E}"/>
+              </a:ext>
+            </a:extLst>
+          </p:cNvPr>
+          <p:cNvSpPr/>
+          <p:nvPr/>
+        </p:nvSpPr>
+        <p:spPr bwMode="auto">
+          <a:xfrm>
+            <a:off x="4240621" y="4467328"/>
+            <a:ext cx="7272808" cy="1600741"/>
+          </a:xfrm>
+          <a:prstGeom prst="rect">
+            <a:avLst/>
+          </a:prstGeom>
+          <a:noFill/>
+          <a:ln>
+            <a:headEnd type="none" w="med" len="med"/>
+            <a:tailEnd type="none" w="med" len="med"/>
+          </a:ln>
+        </p:spPr>
+        <p:style>
+          <a:lnRef idx="2">
+            <a:schemeClr val="dk1"/>
+          </a:lnRef>
+          <a:fillRef idx="1">
+            <a:schemeClr val="lt1"/>
+          </a:fillRef>
+          <a:effectRef idx="0">
+            <a:schemeClr val="dk1"/>
+          </a:effectRef>
+          <a:fontRef idx="minor">
+            <a:schemeClr val="dk1"/>
+          </a:fontRef>
+        </p:style>
+        <p:txBody>
+          <a:bodyPr rot="0" spcFirstLastPara="0" vertOverflow="overflow" horzOverflow="overflow" vert="horz" wrap="square" lIns="91440" tIns="45720" rIns="91440" bIns="45720" numCol="1" spcCol="0" rtlCol="0" fromWordArt="0" anchor="t" anchorCtr="0" forceAA="0" compatLnSpc="1">
+            <a:prstTxWarp prst="textNoShape">
+              <a:avLst/>
+            </a:prstTxWarp>
+            <a:noAutofit/>
+          </a:bodyPr>
+          <a:lstStyle/>
+          <a:p>
+            <a:pPr marL="0" marR="0" indent="0" algn="l" defTabSz="914400" rtl="0" eaLnBrk="1" fontAlgn="base" latinLnBrk="0" hangingPunct="1">
+              <a:lnSpc>
+                <a:spcPct val="100000"/>
+              </a:lnSpc>
+              <a:spcBef>
+                <a:spcPct val="0"/>
+              </a:spcBef>
+              <a:spcAft>
+                <a:spcPct val="0"/>
+              </a:spcAft>
+              <a:buClrTx/>
+              <a:buSzTx/>
+              <a:buFontTx/>
+              <a:buNone/>
+              <a:tabLst/>
+            </a:pPr>
+            <a:r>
+              <a:rPr lang="de-DE" dirty="0"/>
+              <a:t>RQ2, RQ3, RQ4</a:t>
+            </a:r>
+            <a:endParaRPr kumimoji="0" lang="en-AU" sz="1800" b="0" i="0" u="none" strike="noStrike" cap="none" normalizeH="0" baseline="0" dirty="0">
+              <a:ln>
+                <a:noFill/>
+              </a:ln>
+              <a:effectLst/>
+              <a:latin typeface="Arial" charset="0"/>
+            </a:endParaRPr>
+          </a:p>
+        </p:txBody>
+      </p:sp>
     </p:spTree>
     <p:extLst>
       <p:ext uri="{BB962C8B-B14F-4D97-AF65-F5344CB8AC3E}">
@@ -24100,8 +24392,12 @@
           <a:lstStyle/>
           <a:p>
             <a:r>
+              <a:rPr lang="de-DE" dirty="0" err="1"/>
+              <a:t>Literature</a:t>
+            </a:r>
+            <a:r>
               <a:rPr lang="de-DE" dirty="0"/>
-              <a:t>State </a:t>
+              <a:t> &amp; State </a:t>
             </a:r>
             <a:r>
               <a:rPr lang="de-DE" dirty="0" err="1"/>

--- a/QseEvolvingKgWebApp/notes/Proposal/Proposal_Presentation.pptx
+++ b/QseEvolvingKgWebApp/notes/Proposal/Proposal_Presentation.pptx
@@ -251,7 +251,7 @@
               </a:pPr>
               <a:t>‹#›</a:t>
             </a:fld>
-            <a:endParaRPr lang="en-US" sz="1500">
+            <a:endParaRPr lang="en-US" sz="1500" dirty="0">
               <a:latin typeface="Times New Roman" pitchFamily="18" charset="0"/>
             </a:endParaRPr>
           </a:p>
@@ -436,7 +436,7 @@
               </a:pPr>
               <a:t>‹#›</a:t>
             </a:fld>
-            <a:endParaRPr lang="en-US" sz="1500">
+            <a:endParaRPr lang="en-US" sz="1500" dirty="0">
               <a:latin typeface="Times New Roman" pitchFamily="18" charset="0"/>
             </a:endParaRPr>
           </a:p>
@@ -647,25 +647,8 @@
                 <a:effectLst/>
                 <a:latin typeface="Google Sans"/>
               </a:rPr>
-              <a:t>W3C standard for the validation of RDF graphs, bad example </a:t>
+              <a:t>standard for the validation of RDF graphs, bad example ex:flightNumber</a:t>
             </a:r>
-            <a:r>
-              <a:rPr lang="en-AU" b="0" i="0" dirty="0" err="1">
-                <a:solidFill>
-                  <a:srgbClr val="202124"/>
-                </a:solidFill>
-                <a:effectLst/>
-                <a:latin typeface="Google Sans"/>
-              </a:rPr>
-              <a:t>ex:flightNumber</a:t>
-            </a:r>
-            <a:endParaRPr lang="en-AU" b="0" i="0" dirty="0">
-              <a:solidFill>
-                <a:srgbClr val="202124"/>
-              </a:solidFill>
-              <a:effectLst/>
-              <a:latin typeface="Google Sans"/>
-            </a:endParaRPr>
           </a:p>
           <a:p>
             <a:r>
@@ -676,7 +659,27 @@
                 <a:effectLst/>
                 <a:latin typeface="Google Sans"/>
               </a:rPr>
-              <a:t>QSE: quality shape extraction -&gt; (manual steps) -&gt;  omit nodes</a:t>
+              <a:t>QSE: (</a:t>
+            </a:r>
+            <a:r>
+              <a:rPr lang="en-AU" b="0" i="0" dirty="0" err="1">
+                <a:solidFill>
+                  <a:srgbClr val="202124"/>
+                </a:solidFill>
+                <a:effectLst/>
+                <a:latin typeface="Google Sans"/>
+              </a:rPr>
+              <a:t>Dbpedia</a:t>
+            </a:r>
+            <a:r>
+              <a:rPr lang="en-AU" b="0" i="0" dirty="0">
+                <a:solidFill>
+                  <a:srgbClr val="202124"/>
+                </a:solidFill>
+                <a:effectLst/>
+                <a:latin typeface="Google Sans"/>
+              </a:rPr>
+              <a:t>) quality shape extraction -&gt; (manual steps) -&gt;  omit nodes</a:t>
             </a:r>
           </a:p>
           <a:p>
@@ -908,6 +911,67 @@
           <a:bodyPr/>
           <a:lstStyle/>
           <a:p>
+            <a:endParaRPr lang="en-AU" dirty="0"/>
+          </a:p>
+        </p:txBody>
+      </p:sp>
+    </p:spTree>
+    <p:extLst>
+      <p:ext uri="{BB962C8B-B14F-4D97-AF65-F5344CB8AC3E}">
+        <p14:creationId xmlns:p14="http://schemas.microsoft.com/office/powerpoint/2010/main" val="1154898148"/>
+      </p:ext>
+    </p:extLst>
+  </p:cSld>
+  <p:clrMapOvr>
+    <a:masterClrMapping/>
+  </p:clrMapOvr>
+</p:notes>
+</file>
+
+<file path=ppt/notesSlides/notesSlide5.xml><?xml version="1.0" encoding="utf-8"?>
+<p:notes xmlns:a="http://schemas.openxmlformats.org/drawingml/2006/main" xmlns:r="http://schemas.openxmlformats.org/officeDocument/2006/relationships" xmlns:p="http://schemas.openxmlformats.org/presentationml/2006/main">
+  <p:cSld>
+    <p:spTree>
+      <p:nvGrpSpPr>
+        <p:cNvPr id="1" name=""/>
+        <p:cNvGrpSpPr/>
+        <p:nvPr/>
+      </p:nvGrpSpPr>
+      <p:grpSpPr>
+        <a:xfrm>
+          <a:off x="0" y="0"/>
+          <a:ext cx="0" cy="0"/>
+          <a:chOff x="0" y="0"/>
+          <a:chExt cx="0" cy="0"/>
+        </a:xfrm>
+      </p:grpSpPr>
+      <p:sp>
+        <p:nvSpPr>
+          <p:cNvPr id="2" name="Slide Image Placeholder 1"/>
+          <p:cNvSpPr>
+            <a:spLocks noGrp="1" noRot="1" noChangeAspect="1"/>
+          </p:cNvSpPr>
+          <p:nvPr>
+            <p:ph type="sldImg"/>
+          </p:nvPr>
+        </p:nvSpPr>
+        <p:spPr/>
+      </p:sp>
+      <p:sp>
+        <p:nvSpPr>
+          <p:cNvPr id="3" name="Notes Placeholder 2"/>
+          <p:cNvSpPr>
+            <a:spLocks noGrp="1"/>
+          </p:cNvSpPr>
+          <p:nvPr>
+            <p:ph type="body" idx="1"/>
+          </p:nvPr>
+        </p:nvSpPr>
+        <p:spPr/>
+        <p:txBody>
+          <a:bodyPr/>
+          <a:lstStyle/>
+          <a:p>
             <a:r>
               <a:rPr lang="en-AU" dirty="0"/>
               <a:t>evolving knowledge graphs and defining versions of a graph in general</a:t>
@@ -922,13 +986,8 @@
           <a:p>
             <a:r>
               <a:rPr lang="en-AU" dirty="0"/>
-              <a:t>SHACLGEN or </a:t>
+              <a:t>SHACLGEN or ShapeDesigner</a:t>
             </a:r>
-            <a:r>
-              <a:rPr lang="en-AU" dirty="0" err="1"/>
-              <a:t>ShapeDesigner</a:t>
-            </a:r>
-            <a:endParaRPr lang="en-AU" dirty="0"/>
           </a:p>
           <a:p>
             <a:r>
@@ -951,7 +1010,7 @@
 </p:notes>
 </file>
 
-<file path=ppt/notesSlides/notesSlide5.xml><?xml version="1.0" encoding="utf-8"?>
+<file path=ppt/notesSlides/notesSlide6.xml><?xml version="1.0" encoding="utf-8"?>
 <p:notes xmlns:a="http://schemas.openxmlformats.org/drawingml/2006/main" xmlns:r="http://schemas.openxmlformats.org/officeDocument/2006/relationships" xmlns:p="http://schemas.openxmlformats.org/presentationml/2006/main">
   <p:cSld>
     <p:spTree>
@@ -1080,7 +1139,7 @@
               <a:pPr>
                 <a:defRPr/>
               </a:pPr>
-              <a:endParaRPr lang="de-AT"/>
+              <a:endParaRPr lang="de-AT" dirty="0"/>
             </a:p>
           </p:txBody>
         </p:sp>
@@ -1119,7 +1178,7 @@
               <a:pPr>
                 <a:defRPr/>
               </a:pPr>
-              <a:endParaRPr lang="de-AT"/>
+              <a:endParaRPr lang="de-AT" dirty="0"/>
             </a:p>
           </p:txBody>
         </p:sp>
@@ -1158,7 +1217,7 @@
               <a:pPr>
                 <a:defRPr/>
               </a:pPr>
-              <a:endParaRPr lang="de-AT"/>
+              <a:endParaRPr lang="de-AT" dirty="0"/>
             </a:p>
           </p:txBody>
         </p:sp>
@@ -1197,7 +1256,7 @@
               <a:pPr>
                 <a:defRPr/>
               </a:pPr>
-              <a:endParaRPr lang="de-AT"/>
+              <a:endParaRPr lang="de-AT" dirty="0"/>
             </a:p>
           </p:txBody>
         </p:sp>
@@ -1236,7 +1295,7 @@
               <a:pPr>
                 <a:defRPr/>
               </a:pPr>
-              <a:endParaRPr lang="de-AT"/>
+              <a:endParaRPr lang="de-AT" dirty="0"/>
             </a:p>
           </p:txBody>
         </p:sp>
@@ -1275,7 +1334,7 @@
               <a:pPr>
                 <a:defRPr/>
               </a:pPr>
-              <a:endParaRPr lang="de-AT"/>
+              <a:endParaRPr lang="de-AT" dirty="0"/>
             </a:p>
           </p:txBody>
         </p:sp>
@@ -1314,7 +1373,7 @@
               <a:pPr>
                 <a:defRPr/>
               </a:pPr>
-              <a:endParaRPr lang="de-AT"/>
+              <a:endParaRPr lang="de-AT" dirty="0"/>
             </a:p>
           </p:txBody>
         </p:sp>
@@ -1353,7 +1412,7 @@
               <a:pPr>
                 <a:defRPr/>
               </a:pPr>
-              <a:endParaRPr lang="de-AT"/>
+              <a:endParaRPr lang="de-AT" dirty="0"/>
             </a:p>
           </p:txBody>
         </p:sp>
@@ -1392,7 +1451,7 @@
               <a:pPr>
                 <a:defRPr/>
               </a:pPr>
-              <a:endParaRPr lang="de-AT"/>
+              <a:endParaRPr lang="de-AT" dirty="0"/>
             </a:p>
           </p:txBody>
         </p:sp>
@@ -1431,7 +1490,7 @@
               <a:pPr>
                 <a:defRPr/>
               </a:pPr>
-              <a:endParaRPr lang="de-AT"/>
+              <a:endParaRPr lang="de-AT" dirty="0"/>
             </a:p>
           </p:txBody>
         </p:sp>
@@ -1470,7 +1529,7 @@
               <a:pPr>
                 <a:defRPr/>
               </a:pPr>
-              <a:endParaRPr lang="de-AT"/>
+              <a:endParaRPr lang="de-AT" dirty="0"/>
             </a:p>
           </p:txBody>
         </p:sp>
@@ -1509,7 +1568,7 @@
               <a:pPr>
                 <a:defRPr/>
               </a:pPr>
-              <a:endParaRPr lang="de-AT"/>
+              <a:endParaRPr lang="de-AT" dirty="0"/>
             </a:p>
           </p:txBody>
         </p:sp>
@@ -1548,7 +1607,7 @@
               <a:pPr>
                 <a:defRPr/>
               </a:pPr>
-              <a:endParaRPr lang="de-AT"/>
+              <a:endParaRPr lang="de-AT" dirty="0"/>
             </a:p>
           </p:txBody>
         </p:sp>
@@ -1587,7 +1646,7 @@
               <a:pPr>
                 <a:defRPr/>
               </a:pPr>
-              <a:endParaRPr lang="de-AT"/>
+              <a:endParaRPr lang="de-AT" dirty="0"/>
             </a:p>
           </p:txBody>
         </p:sp>
@@ -1626,7 +1685,7 @@
               <a:pPr>
                 <a:defRPr/>
               </a:pPr>
-              <a:endParaRPr lang="de-AT"/>
+              <a:endParaRPr lang="de-AT" dirty="0"/>
             </a:p>
           </p:txBody>
         </p:sp>
@@ -1665,7 +1724,7 @@
               <a:pPr>
                 <a:defRPr/>
               </a:pPr>
-              <a:endParaRPr lang="de-AT"/>
+              <a:endParaRPr lang="de-AT" dirty="0"/>
             </a:p>
           </p:txBody>
         </p:sp>
@@ -1704,7 +1763,7 @@
               <a:pPr>
                 <a:defRPr/>
               </a:pPr>
-              <a:endParaRPr lang="de-AT"/>
+              <a:endParaRPr lang="de-AT" dirty="0"/>
             </a:p>
           </p:txBody>
         </p:sp>
@@ -1743,7 +1802,7 @@
               <a:pPr>
                 <a:defRPr/>
               </a:pPr>
-              <a:endParaRPr lang="de-AT"/>
+              <a:endParaRPr lang="de-AT" dirty="0"/>
             </a:p>
           </p:txBody>
         </p:sp>
@@ -1782,7 +1841,7 @@
               <a:pPr>
                 <a:defRPr/>
               </a:pPr>
-              <a:endParaRPr lang="de-AT"/>
+              <a:endParaRPr lang="de-AT" dirty="0"/>
             </a:p>
           </p:txBody>
         </p:sp>
@@ -1821,7 +1880,7 @@
               <a:pPr>
                 <a:defRPr/>
               </a:pPr>
-              <a:endParaRPr lang="de-AT"/>
+              <a:endParaRPr lang="de-AT" dirty="0"/>
             </a:p>
           </p:txBody>
         </p:sp>
@@ -1860,7 +1919,7 @@
               <a:pPr>
                 <a:defRPr/>
               </a:pPr>
-              <a:endParaRPr lang="de-AT"/>
+              <a:endParaRPr lang="de-AT" dirty="0"/>
             </a:p>
           </p:txBody>
         </p:sp>
@@ -1899,7 +1958,7 @@
               <a:pPr>
                 <a:defRPr/>
               </a:pPr>
-              <a:endParaRPr lang="de-AT"/>
+              <a:endParaRPr lang="de-AT" dirty="0"/>
             </a:p>
           </p:txBody>
         </p:sp>
@@ -1938,7 +1997,7 @@
               <a:pPr>
                 <a:defRPr/>
               </a:pPr>
-              <a:endParaRPr lang="de-AT"/>
+              <a:endParaRPr lang="de-AT" dirty="0"/>
             </a:p>
           </p:txBody>
         </p:sp>
@@ -1977,7 +2036,7 @@
               <a:pPr>
                 <a:defRPr/>
               </a:pPr>
-              <a:endParaRPr lang="de-AT"/>
+              <a:endParaRPr lang="de-AT" dirty="0"/>
             </a:p>
           </p:txBody>
         </p:sp>
@@ -2016,7 +2075,7 @@
               <a:pPr>
                 <a:defRPr/>
               </a:pPr>
-              <a:endParaRPr lang="de-AT"/>
+              <a:endParaRPr lang="de-AT" dirty="0"/>
             </a:p>
           </p:txBody>
         </p:sp>
@@ -2055,7 +2114,7 @@
               <a:pPr>
                 <a:defRPr/>
               </a:pPr>
-              <a:endParaRPr lang="de-AT"/>
+              <a:endParaRPr lang="de-AT" dirty="0"/>
             </a:p>
           </p:txBody>
         </p:sp>
@@ -2094,7 +2153,7 @@
               <a:pPr>
                 <a:defRPr/>
               </a:pPr>
-              <a:endParaRPr lang="de-AT"/>
+              <a:endParaRPr lang="de-AT" dirty="0"/>
             </a:p>
           </p:txBody>
         </p:sp>
@@ -2133,7 +2192,7 @@
               <a:pPr>
                 <a:defRPr/>
               </a:pPr>
-              <a:endParaRPr lang="de-AT"/>
+              <a:endParaRPr lang="de-AT" dirty="0"/>
             </a:p>
           </p:txBody>
         </p:sp>
@@ -2172,7 +2231,7 @@
               <a:pPr>
                 <a:defRPr/>
               </a:pPr>
-              <a:endParaRPr lang="de-AT"/>
+              <a:endParaRPr lang="de-AT" dirty="0"/>
             </a:p>
           </p:txBody>
         </p:sp>
@@ -2211,7 +2270,7 @@
               <a:pPr>
                 <a:defRPr/>
               </a:pPr>
-              <a:endParaRPr lang="de-AT"/>
+              <a:endParaRPr lang="de-AT" dirty="0"/>
             </a:p>
           </p:txBody>
         </p:sp>
@@ -2250,7 +2309,7 @@
               <a:pPr>
                 <a:defRPr/>
               </a:pPr>
-              <a:endParaRPr lang="de-AT"/>
+              <a:endParaRPr lang="de-AT" dirty="0"/>
             </a:p>
           </p:txBody>
         </p:sp>
@@ -2289,7 +2348,7 @@
               <a:pPr>
                 <a:defRPr/>
               </a:pPr>
-              <a:endParaRPr lang="de-AT"/>
+              <a:endParaRPr lang="de-AT" dirty="0"/>
             </a:p>
           </p:txBody>
         </p:sp>
@@ -2328,7 +2387,7 @@
               <a:pPr>
                 <a:defRPr/>
               </a:pPr>
-              <a:endParaRPr lang="de-AT"/>
+              <a:endParaRPr lang="de-AT" dirty="0"/>
             </a:p>
           </p:txBody>
         </p:sp>
@@ -2367,7 +2426,7 @@
               <a:pPr>
                 <a:defRPr/>
               </a:pPr>
-              <a:endParaRPr lang="de-AT"/>
+              <a:endParaRPr lang="de-AT" dirty="0"/>
             </a:p>
           </p:txBody>
         </p:sp>
@@ -2406,7 +2465,7 @@
               <a:pPr>
                 <a:defRPr/>
               </a:pPr>
-              <a:endParaRPr lang="de-AT"/>
+              <a:endParaRPr lang="de-AT" dirty="0"/>
             </a:p>
           </p:txBody>
         </p:sp>
@@ -2445,7 +2504,7 @@
               <a:pPr>
                 <a:defRPr/>
               </a:pPr>
-              <a:endParaRPr lang="de-AT"/>
+              <a:endParaRPr lang="de-AT" dirty="0"/>
             </a:p>
           </p:txBody>
         </p:sp>
@@ -2484,7 +2543,7 @@
               <a:pPr>
                 <a:defRPr/>
               </a:pPr>
-              <a:endParaRPr lang="de-AT"/>
+              <a:endParaRPr lang="de-AT" dirty="0"/>
             </a:p>
           </p:txBody>
         </p:sp>
@@ -2523,7 +2582,7 @@
               <a:pPr>
                 <a:defRPr/>
               </a:pPr>
-              <a:endParaRPr lang="de-AT"/>
+              <a:endParaRPr lang="de-AT" dirty="0"/>
             </a:p>
           </p:txBody>
         </p:sp>
@@ -2562,7 +2621,7 @@
               <a:pPr>
                 <a:defRPr/>
               </a:pPr>
-              <a:endParaRPr lang="de-AT"/>
+              <a:endParaRPr lang="de-AT" dirty="0"/>
             </a:p>
           </p:txBody>
         </p:sp>
@@ -2601,7 +2660,7 @@
               <a:pPr>
                 <a:defRPr/>
               </a:pPr>
-              <a:endParaRPr lang="de-AT"/>
+              <a:endParaRPr lang="de-AT" dirty="0"/>
             </a:p>
           </p:txBody>
         </p:sp>
@@ -2640,7 +2699,7 @@
               <a:pPr>
                 <a:defRPr/>
               </a:pPr>
-              <a:endParaRPr lang="de-AT"/>
+              <a:endParaRPr lang="de-AT" dirty="0"/>
             </a:p>
           </p:txBody>
         </p:sp>
@@ -2679,7 +2738,7 @@
               <a:pPr>
                 <a:defRPr/>
               </a:pPr>
-              <a:endParaRPr lang="de-AT"/>
+              <a:endParaRPr lang="de-AT" dirty="0"/>
             </a:p>
           </p:txBody>
         </p:sp>
@@ -2718,7 +2777,7 @@
               <a:pPr>
                 <a:defRPr/>
               </a:pPr>
-              <a:endParaRPr lang="de-AT"/>
+              <a:endParaRPr lang="de-AT" dirty="0"/>
             </a:p>
           </p:txBody>
         </p:sp>
@@ -2757,7 +2816,7 @@
               <a:pPr>
                 <a:defRPr/>
               </a:pPr>
-              <a:endParaRPr lang="de-AT"/>
+              <a:endParaRPr lang="de-AT" dirty="0"/>
             </a:p>
           </p:txBody>
         </p:sp>
@@ -2796,7 +2855,7 @@
               <a:pPr>
                 <a:defRPr/>
               </a:pPr>
-              <a:endParaRPr lang="de-AT"/>
+              <a:endParaRPr lang="de-AT" dirty="0"/>
             </a:p>
           </p:txBody>
         </p:sp>
@@ -2835,7 +2894,7 @@
               <a:pPr>
                 <a:defRPr/>
               </a:pPr>
-              <a:endParaRPr lang="de-AT"/>
+              <a:endParaRPr lang="de-AT" dirty="0"/>
             </a:p>
           </p:txBody>
         </p:sp>
@@ -2874,7 +2933,7 @@
               <a:pPr>
                 <a:defRPr/>
               </a:pPr>
-              <a:endParaRPr lang="de-AT"/>
+              <a:endParaRPr lang="de-AT" dirty="0"/>
             </a:p>
           </p:txBody>
         </p:sp>
@@ -2913,7 +2972,7 @@
               <a:pPr>
                 <a:defRPr/>
               </a:pPr>
-              <a:endParaRPr lang="de-AT"/>
+              <a:endParaRPr lang="de-AT" dirty="0"/>
             </a:p>
           </p:txBody>
         </p:sp>
@@ -2952,7 +3011,7 @@
               <a:pPr>
                 <a:defRPr/>
               </a:pPr>
-              <a:endParaRPr lang="de-AT"/>
+              <a:endParaRPr lang="de-AT" dirty="0"/>
             </a:p>
           </p:txBody>
         </p:sp>
@@ -2991,7 +3050,7 @@
               <a:pPr>
                 <a:defRPr/>
               </a:pPr>
-              <a:endParaRPr lang="de-AT"/>
+              <a:endParaRPr lang="de-AT" dirty="0"/>
             </a:p>
           </p:txBody>
         </p:sp>
@@ -3030,7 +3089,7 @@
               <a:pPr>
                 <a:defRPr/>
               </a:pPr>
-              <a:endParaRPr lang="de-AT"/>
+              <a:endParaRPr lang="de-AT" dirty="0"/>
             </a:p>
           </p:txBody>
         </p:sp>
@@ -3069,7 +3128,7 @@
               <a:pPr>
                 <a:defRPr/>
               </a:pPr>
-              <a:endParaRPr lang="de-AT"/>
+              <a:endParaRPr lang="de-AT" dirty="0"/>
             </a:p>
           </p:txBody>
         </p:sp>
@@ -3108,7 +3167,7 @@
               <a:pPr>
                 <a:defRPr/>
               </a:pPr>
-              <a:endParaRPr lang="de-AT"/>
+              <a:endParaRPr lang="de-AT" dirty="0"/>
             </a:p>
           </p:txBody>
         </p:sp>
@@ -3147,7 +3206,7 @@
               <a:pPr>
                 <a:defRPr/>
               </a:pPr>
-              <a:endParaRPr lang="de-AT"/>
+              <a:endParaRPr lang="de-AT" dirty="0"/>
             </a:p>
           </p:txBody>
         </p:sp>
@@ -3186,7 +3245,7 @@
               <a:pPr>
                 <a:defRPr/>
               </a:pPr>
-              <a:endParaRPr lang="de-AT"/>
+              <a:endParaRPr lang="de-AT" dirty="0"/>
             </a:p>
           </p:txBody>
         </p:sp>
@@ -3225,7 +3284,7 @@
               <a:pPr>
                 <a:defRPr/>
               </a:pPr>
-              <a:endParaRPr lang="de-AT"/>
+              <a:endParaRPr lang="de-AT" dirty="0"/>
             </a:p>
           </p:txBody>
         </p:sp>
@@ -3264,7 +3323,7 @@
               <a:pPr>
                 <a:defRPr/>
               </a:pPr>
-              <a:endParaRPr lang="de-AT"/>
+              <a:endParaRPr lang="de-AT" dirty="0"/>
             </a:p>
           </p:txBody>
         </p:sp>
@@ -3303,7 +3362,7 @@
               <a:pPr>
                 <a:defRPr/>
               </a:pPr>
-              <a:endParaRPr lang="de-AT"/>
+              <a:endParaRPr lang="de-AT" dirty="0"/>
             </a:p>
           </p:txBody>
         </p:sp>
@@ -3342,7 +3401,7 @@
               <a:pPr>
                 <a:defRPr/>
               </a:pPr>
-              <a:endParaRPr lang="de-AT"/>
+              <a:endParaRPr lang="de-AT" dirty="0"/>
             </a:p>
           </p:txBody>
         </p:sp>
@@ -3381,7 +3440,7 @@
               <a:pPr>
                 <a:defRPr/>
               </a:pPr>
-              <a:endParaRPr lang="de-AT"/>
+              <a:endParaRPr lang="de-AT" dirty="0"/>
             </a:p>
           </p:txBody>
         </p:sp>
@@ -3420,7 +3479,7 @@
               <a:pPr>
                 <a:defRPr/>
               </a:pPr>
-              <a:endParaRPr lang="de-AT"/>
+              <a:endParaRPr lang="de-AT" dirty="0"/>
             </a:p>
           </p:txBody>
         </p:sp>
@@ -3459,7 +3518,7 @@
               <a:pPr>
                 <a:defRPr/>
               </a:pPr>
-              <a:endParaRPr lang="de-AT"/>
+              <a:endParaRPr lang="de-AT" dirty="0"/>
             </a:p>
           </p:txBody>
         </p:sp>
@@ -3498,7 +3557,7 @@
               <a:pPr>
                 <a:defRPr/>
               </a:pPr>
-              <a:endParaRPr lang="de-AT"/>
+              <a:endParaRPr lang="de-AT" dirty="0"/>
             </a:p>
           </p:txBody>
         </p:sp>
@@ -3537,7 +3596,7 @@
               <a:pPr>
                 <a:defRPr/>
               </a:pPr>
-              <a:endParaRPr lang="de-AT"/>
+              <a:endParaRPr lang="de-AT" dirty="0"/>
             </a:p>
           </p:txBody>
         </p:sp>
@@ -3576,7 +3635,7 @@
               <a:pPr>
                 <a:defRPr/>
               </a:pPr>
-              <a:endParaRPr lang="de-AT"/>
+              <a:endParaRPr lang="de-AT" dirty="0"/>
             </a:p>
           </p:txBody>
         </p:sp>
@@ -3615,7 +3674,7 @@
               <a:pPr>
                 <a:defRPr/>
               </a:pPr>
-              <a:endParaRPr lang="de-AT"/>
+              <a:endParaRPr lang="de-AT" dirty="0"/>
             </a:p>
           </p:txBody>
         </p:sp>
@@ -3654,7 +3713,7 @@
               <a:pPr>
                 <a:defRPr/>
               </a:pPr>
-              <a:endParaRPr lang="de-AT"/>
+              <a:endParaRPr lang="de-AT" dirty="0"/>
             </a:p>
           </p:txBody>
         </p:sp>
@@ -3693,7 +3752,7 @@
               <a:pPr>
                 <a:defRPr/>
               </a:pPr>
-              <a:endParaRPr lang="de-AT"/>
+              <a:endParaRPr lang="de-AT" dirty="0"/>
             </a:p>
           </p:txBody>
         </p:sp>
@@ -3732,7 +3791,7 @@
               <a:pPr>
                 <a:defRPr/>
               </a:pPr>
-              <a:endParaRPr lang="de-AT"/>
+              <a:endParaRPr lang="de-AT" dirty="0"/>
             </a:p>
           </p:txBody>
         </p:sp>
@@ -3771,7 +3830,7 @@
               <a:pPr>
                 <a:defRPr/>
               </a:pPr>
-              <a:endParaRPr lang="de-AT"/>
+              <a:endParaRPr lang="de-AT" dirty="0"/>
             </a:p>
           </p:txBody>
         </p:sp>
@@ -3810,7 +3869,7 @@
               <a:pPr>
                 <a:defRPr/>
               </a:pPr>
-              <a:endParaRPr lang="de-AT"/>
+              <a:endParaRPr lang="de-AT" dirty="0"/>
             </a:p>
           </p:txBody>
         </p:sp>
@@ -3849,7 +3908,7 @@
               <a:pPr>
                 <a:defRPr/>
               </a:pPr>
-              <a:endParaRPr lang="de-AT"/>
+              <a:endParaRPr lang="de-AT" dirty="0"/>
             </a:p>
           </p:txBody>
         </p:sp>
@@ -3888,7 +3947,7 @@
               <a:pPr>
                 <a:defRPr/>
               </a:pPr>
-              <a:endParaRPr lang="de-AT"/>
+              <a:endParaRPr lang="de-AT" dirty="0"/>
             </a:p>
           </p:txBody>
         </p:sp>
@@ -3927,7 +3986,7 @@
               <a:pPr>
                 <a:defRPr/>
               </a:pPr>
-              <a:endParaRPr lang="de-AT"/>
+              <a:endParaRPr lang="de-AT" dirty="0"/>
             </a:p>
           </p:txBody>
         </p:sp>
@@ -3966,7 +4025,7 @@
               <a:pPr>
                 <a:defRPr/>
               </a:pPr>
-              <a:endParaRPr lang="de-AT"/>
+              <a:endParaRPr lang="de-AT" dirty="0"/>
             </a:p>
           </p:txBody>
         </p:sp>
@@ -4005,7 +4064,7 @@
               <a:pPr>
                 <a:defRPr/>
               </a:pPr>
-              <a:endParaRPr lang="de-AT"/>
+              <a:endParaRPr lang="de-AT" dirty="0"/>
             </a:p>
           </p:txBody>
         </p:sp>
@@ -4044,7 +4103,7 @@
               <a:pPr>
                 <a:defRPr/>
               </a:pPr>
-              <a:endParaRPr lang="de-AT"/>
+              <a:endParaRPr lang="de-AT" dirty="0"/>
             </a:p>
           </p:txBody>
         </p:sp>
@@ -4083,7 +4142,7 @@
               <a:pPr>
                 <a:defRPr/>
               </a:pPr>
-              <a:endParaRPr lang="de-AT"/>
+              <a:endParaRPr lang="de-AT" dirty="0"/>
             </a:p>
           </p:txBody>
         </p:sp>
@@ -4122,7 +4181,7 @@
               <a:pPr>
                 <a:defRPr/>
               </a:pPr>
-              <a:endParaRPr lang="de-AT"/>
+              <a:endParaRPr lang="de-AT" dirty="0"/>
             </a:p>
           </p:txBody>
         </p:sp>
@@ -4161,7 +4220,7 @@
               <a:pPr>
                 <a:defRPr/>
               </a:pPr>
-              <a:endParaRPr lang="de-AT"/>
+              <a:endParaRPr lang="de-AT" dirty="0"/>
             </a:p>
           </p:txBody>
         </p:sp>
@@ -4200,7 +4259,7 @@
               <a:pPr>
                 <a:defRPr/>
               </a:pPr>
-              <a:endParaRPr lang="de-AT"/>
+              <a:endParaRPr lang="de-AT" dirty="0"/>
             </a:p>
           </p:txBody>
         </p:sp>
@@ -4239,7 +4298,7 @@
               <a:pPr>
                 <a:defRPr/>
               </a:pPr>
-              <a:endParaRPr lang="de-AT"/>
+              <a:endParaRPr lang="de-AT" dirty="0"/>
             </a:p>
           </p:txBody>
         </p:sp>
@@ -4278,7 +4337,7 @@
               <a:pPr>
                 <a:defRPr/>
               </a:pPr>
-              <a:endParaRPr lang="de-AT"/>
+              <a:endParaRPr lang="de-AT" dirty="0"/>
             </a:p>
           </p:txBody>
         </p:sp>
@@ -4317,7 +4376,7 @@
               <a:pPr>
                 <a:defRPr/>
               </a:pPr>
-              <a:endParaRPr lang="de-AT"/>
+              <a:endParaRPr lang="de-AT" dirty="0"/>
             </a:p>
           </p:txBody>
         </p:sp>
@@ -4356,7 +4415,7 @@
               <a:pPr>
                 <a:defRPr/>
               </a:pPr>
-              <a:endParaRPr lang="de-AT"/>
+              <a:endParaRPr lang="de-AT" dirty="0"/>
             </a:p>
           </p:txBody>
         </p:sp>
@@ -4395,7 +4454,7 @@
               <a:pPr>
                 <a:defRPr/>
               </a:pPr>
-              <a:endParaRPr lang="de-AT"/>
+              <a:endParaRPr lang="de-AT" dirty="0"/>
             </a:p>
           </p:txBody>
         </p:sp>
@@ -4434,7 +4493,7 @@
               <a:pPr>
                 <a:defRPr/>
               </a:pPr>
-              <a:endParaRPr lang="de-AT"/>
+              <a:endParaRPr lang="de-AT" dirty="0"/>
             </a:p>
           </p:txBody>
         </p:sp>
@@ -4473,7 +4532,7 @@
               <a:pPr>
                 <a:defRPr/>
               </a:pPr>
-              <a:endParaRPr lang="de-AT"/>
+              <a:endParaRPr lang="de-AT" dirty="0"/>
             </a:p>
           </p:txBody>
         </p:sp>
@@ -4512,7 +4571,7 @@
               <a:pPr>
                 <a:defRPr/>
               </a:pPr>
-              <a:endParaRPr lang="de-AT"/>
+              <a:endParaRPr lang="de-AT" dirty="0"/>
             </a:p>
           </p:txBody>
         </p:sp>
@@ -4551,7 +4610,7 @@
               <a:pPr>
                 <a:defRPr/>
               </a:pPr>
-              <a:endParaRPr lang="de-AT"/>
+              <a:endParaRPr lang="de-AT" dirty="0"/>
             </a:p>
           </p:txBody>
         </p:sp>
@@ -4590,7 +4649,7 @@
               <a:pPr>
                 <a:defRPr/>
               </a:pPr>
-              <a:endParaRPr lang="de-AT"/>
+              <a:endParaRPr lang="de-AT" dirty="0"/>
             </a:p>
           </p:txBody>
         </p:sp>
@@ -4629,7 +4688,7 @@
               <a:pPr>
                 <a:defRPr/>
               </a:pPr>
-              <a:endParaRPr lang="de-AT"/>
+              <a:endParaRPr lang="de-AT" dirty="0"/>
             </a:p>
           </p:txBody>
         </p:sp>
@@ -4668,7 +4727,7 @@
               <a:pPr>
                 <a:defRPr/>
               </a:pPr>
-              <a:endParaRPr lang="de-AT"/>
+              <a:endParaRPr lang="de-AT" dirty="0"/>
             </a:p>
           </p:txBody>
         </p:sp>
@@ -4707,7 +4766,7 @@
               <a:pPr>
                 <a:defRPr/>
               </a:pPr>
-              <a:endParaRPr lang="de-AT"/>
+              <a:endParaRPr lang="de-AT" dirty="0"/>
             </a:p>
           </p:txBody>
         </p:sp>
@@ -4746,7 +4805,7 @@
               <a:pPr>
                 <a:defRPr/>
               </a:pPr>
-              <a:endParaRPr lang="de-AT"/>
+              <a:endParaRPr lang="de-AT" dirty="0"/>
             </a:p>
           </p:txBody>
         </p:sp>
@@ -4785,7 +4844,7 @@
               <a:pPr>
                 <a:defRPr/>
               </a:pPr>
-              <a:endParaRPr lang="de-AT"/>
+              <a:endParaRPr lang="de-AT" dirty="0"/>
             </a:p>
           </p:txBody>
         </p:sp>
@@ -4824,7 +4883,7 @@
               <a:pPr>
                 <a:defRPr/>
               </a:pPr>
-              <a:endParaRPr lang="de-AT"/>
+              <a:endParaRPr lang="de-AT" dirty="0"/>
             </a:p>
           </p:txBody>
         </p:sp>
@@ -4863,7 +4922,7 @@
               <a:pPr>
                 <a:defRPr/>
               </a:pPr>
-              <a:endParaRPr lang="de-AT"/>
+              <a:endParaRPr lang="de-AT" dirty="0"/>
             </a:p>
           </p:txBody>
         </p:sp>
@@ -4902,7 +4961,7 @@
               <a:pPr>
                 <a:defRPr/>
               </a:pPr>
-              <a:endParaRPr lang="de-AT"/>
+              <a:endParaRPr lang="de-AT" dirty="0"/>
             </a:p>
           </p:txBody>
         </p:sp>
@@ -4941,7 +5000,7 @@
               <a:pPr>
                 <a:defRPr/>
               </a:pPr>
-              <a:endParaRPr lang="de-AT"/>
+              <a:endParaRPr lang="de-AT" dirty="0"/>
             </a:p>
           </p:txBody>
         </p:sp>
@@ -4980,7 +5039,7 @@
               <a:pPr>
                 <a:defRPr/>
               </a:pPr>
-              <a:endParaRPr lang="de-AT"/>
+              <a:endParaRPr lang="de-AT" dirty="0"/>
             </a:p>
           </p:txBody>
         </p:sp>
@@ -5019,7 +5078,7 @@
               <a:pPr>
                 <a:defRPr/>
               </a:pPr>
-              <a:endParaRPr lang="de-AT"/>
+              <a:endParaRPr lang="de-AT" dirty="0"/>
             </a:p>
           </p:txBody>
         </p:sp>
@@ -5058,7 +5117,7 @@
               <a:pPr>
                 <a:defRPr/>
               </a:pPr>
-              <a:endParaRPr lang="de-AT"/>
+              <a:endParaRPr lang="de-AT" dirty="0"/>
             </a:p>
           </p:txBody>
         </p:sp>
@@ -5097,7 +5156,7 @@
               <a:pPr>
                 <a:defRPr/>
               </a:pPr>
-              <a:endParaRPr lang="de-AT"/>
+              <a:endParaRPr lang="de-AT" dirty="0"/>
             </a:p>
           </p:txBody>
         </p:sp>
@@ -5136,7 +5195,7 @@
               <a:pPr>
                 <a:defRPr/>
               </a:pPr>
-              <a:endParaRPr lang="de-AT"/>
+              <a:endParaRPr lang="de-AT" dirty="0"/>
             </a:p>
           </p:txBody>
         </p:sp>
@@ -5175,7 +5234,7 @@
               <a:pPr>
                 <a:defRPr/>
               </a:pPr>
-              <a:endParaRPr lang="de-AT"/>
+              <a:endParaRPr lang="de-AT" dirty="0"/>
             </a:p>
           </p:txBody>
         </p:sp>
@@ -5214,7 +5273,7 @@
               <a:pPr>
                 <a:defRPr/>
               </a:pPr>
-              <a:endParaRPr lang="de-AT"/>
+              <a:endParaRPr lang="de-AT" dirty="0"/>
             </a:p>
           </p:txBody>
         </p:sp>
@@ -5253,7 +5312,7 @@
               <a:pPr>
                 <a:defRPr/>
               </a:pPr>
-              <a:endParaRPr lang="de-AT"/>
+              <a:endParaRPr lang="de-AT" dirty="0"/>
             </a:p>
           </p:txBody>
         </p:sp>
@@ -5292,7 +5351,7 @@
               <a:pPr>
                 <a:defRPr/>
               </a:pPr>
-              <a:endParaRPr lang="de-AT"/>
+              <a:endParaRPr lang="de-AT" dirty="0"/>
             </a:p>
           </p:txBody>
         </p:sp>
@@ -5331,7 +5390,7 @@
               <a:pPr>
                 <a:defRPr/>
               </a:pPr>
-              <a:endParaRPr lang="de-AT"/>
+              <a:endParaRPr lang="de-AT" dirty="0"/>
             </a:p>
           </p:txBody>
         </p:sp>
@@ -5370,7 +5429,7 @@
               <a:pPr>
                 <a:defRPr/>
               </a:pPr>
-              <a:endParaRPr lang="de-AT"/>
+              <a:endParaRPr lang="de-AT" dirty="0"/>
             </a:p>
           </p:txBody>
         </p:sp>
@@ -5409,7 +5468,7 @@
               <a:pPr>
                 <a:defRPr/>
               </a:pPr>
-              <a:endParaRPr lang="de-AT"/>
+              <a:endParaRPr lang="de-AT" dirty="0"/>
             </a:p>
           </p:txBody>
         </p:sp>
@@ -5448,7 +5507,7 @@
               <a:pPr>
                 <a:defRPr/>
               </a:pPr>
-              <a:endParaRPr lang="de-AT"/>
+              <a:endParaRPr lang="de-AT" dirty="0"/>
             </a:p>
           </p:txBody>
         </p:sp>
@@ -5487,7 +5546,7 @@
               <a:pPr>
                 <a:defRPr/>
               </a:pPr>
-              <a:endParaRPr lang="de-AT"/>
+              <a:endParaRPr lang="de-AT" dirty="0"/>
             </a:p>
           </p:txBody>
         </p:sp>
@@ -5526,7 +5585,7 @@
               <a:pPr>
                 <a:defRPr/>
               </a:pPr>
-              <a:endParaRPr lang="de-AT"/>
+              <a:endParaRPr lang="de-AT" dirty="0"/>
             </a:p>
           </p:txBody>
         </p:sp>
@@ -5565,7 +5624,7 @@
               <a:pPr>
                 <a:defRPr/>
               </a:pPr>
-              <a:endParaRPr lang="de-AT"/>
+              <a:endParaRPr lang="de-AT" dirty="0"/>
             </a:p>
           </p:txBody>
         </p:sp>
@@ -5604,7 +5663,7 @@
               <a:pPr>
                 <a:defRPr/>
               </a:pPr>
-              <a:endParaRPr lang="de-AT"/>
+              <a:endParaRPr lang="de-AT" dirty="0"/>
             </a:p>
           </p:txBody>
         </p:sp>
@@ -5643,7 +5702,7 @@
               <a:pPr>
                 <a:defRPr/>
               </a:pPr>
-              <a:endParaRPr lang="de-AT"/>
+              <a:endParaRPr lang="de-AT" dirty="0"/>
             </a:p>
           </p:txBody>
         </p:sp>
@@ -5682,7 +5741,7 @@
               <a:pPr>
                 <a:defRPr/>
               </a:pPr>
-              <a:endParaRPr lang="de-AT"/>
+              <a:endParaRPr lang="de-AT" dirty="0"/>
             </a:p>
           </p:txBody>
         </p:sp>
@@ -5721,7 +5780,7 @@
               <a:pPr>
                 <a:defRPr/>
               </a:pPr>
-              <a:endParaRPr lang="de-AT"/>
+              <a:endParaRPr lang="de-AT" dirty="0"/>
             </a:p>
           </p:txBody>
         </p:sp>
@@ -5760,7 +5819,7 @@
               <a:pPr>
                 <a:defRPr/>
               </a:pPr>
-              <a:endParaRPr lang="de-AT"/>
+              <a:endParaRPr lang="de-AT" dirty="0"/>
             </a:p>
           </p:txBody>
         </p:sp>
@@ -5799,7 +5858,7 @@
               <a:pPr>
                 <a:defRPr/>
               </a:pPr>
-              <a:endParaRPr lang="de-AT"/>
+              <a:endParaRPr lang="de-AT" dirty="0"/>
             </a:p>
           </p:txBody>
         </p:sp>
@@ -5838,7 +5897,7 @@
               <a:pPr>
                 <a:defRPr/>
               </a:pPr>
-              <a:endParaRPr lang="de-AT"/>
+              <a:endParaRPr lang="de-AT" dirty="0"/>
             </a:p>
           </p:txBody>
         </p:sp>
@@ -5877,7 +5936,7 @@
               <a:pPr>
                 <a:defRPr/>
               </a:pPr>
-              <a:endParaRPr lang="de-AT"/>
+              <a:endParaRPr lang="de-AT" dirty="0"/>
             </a:p>
           </p:txBody>
         </p:sp>
@@ -5916,7 +5975,7 @@
               <a:pPr>
                 <a:defRPr/>
               </a:pPr>
-              <a:endParaRPr lang="de-AT"/>
+              <a:endParaRPr lang="de-AT" dirty="0"/>
             </a:p>
           </p:txBody>
         </p:sp>
@@ -5955,7 +6014,7 @@
               <a:pPr>
                 <a:defRPr/>
               </a:pPr>
-              <a:endParaRPr lang="de-AT"/>
+              <a:endParaRPr lang="de-AT" dirty="0"/>
             </a:p>
           </p:txBody>
         </p:sp>
@@ -5994,7 +6053,7 @@
               <a:pPr>
                 <a:defRPr/>
               </a:pPr>
-              <a:endParaRPr lang="de-AT"/>
+              <a:endParaRPr lang="de-AT" dirty="0"/>
             </a:p>
           </p:txBody>
         </p:sp>
@@ -6033,7 +6092,7 @@
               <a:pPr>
                 <a:defRPr/>
               </a:pPr>
-              <a:endParaRPr lang="de-AT"/>
+              <a:endParaRPr lang="de-AT" dirty="0"/>
             </a:p>
           </p:txBody>
         </p:sp>
@@ -6072,7 +6131,7 @@
               <a:pPr>
                 <a:defRPr/>
               </a:pPr>
-              <a:endParaRPr lang="de-AT"/>
+              <a:endParaRPr lang="de-AT" dirty="0"/>
             </a:p>
           </p:txBody>
         </p:sp>
@@ -6111,7 +6170,7 @@
               <a:pPr>
                 <a:defRPr/>
               </a:pPr>
-              <a:endParaRPr lang="de-AT"/>
+              <a:endParaRPr lang="de-AT" dirty="0"/>
             </a:p>
           </p:txBody>
         </p:sp>
@@ -6150,7 +6209,7 @@
               <a:pPr>
                 <a:defRPr/>
               </a:pPr>
-              <a:endParaRPr lang="de-AT"/>
+              <a:endParaRPr lang="de-AT" dirty="0"/>
             </a:p>
           </p:txBody>
         </p:sp>
@@ -6189,7 +6248,7 @@
               <a:pPr>
                 <a:defRPr/>
               </a:pPr>
-              <a:endParaRPr lang="de-AT"/>
+              <a:endParaRPr lang="de-AT" dirty="0"/>
             </a:p>
           </p:txBody>
         </p:sp>
@@ -6228,7 +6287,7 @@
               <a:pPr>
                 <a:defRPr/>
               </a:pPr>
-              <a:endParaRPr lang="de-AT"/>
+              <a:endParaRPr lang="de-AT" dirty="0"/>
             </a:p>
           </p:txBody>
         </p:sp>
@@ -6267,7 +6326,7 @@
               <a:pPr>
                 <a:defRPr/>
               </a:pPr>
-              <a:endParaRPr lang="de-AT"/>
+              <a:endParaRPr lang="de-AT" dirty="0"/>
             </a:p>
           </p:txBody>
         </p:sp>
@@ -6306,7 +6365,7 @@
               <a:pPr>
                 <a:defRPr/>
               </a:pPr>
-              <a:endParaRPr lang="de-AT"/>
+              <a:endParaRPr lang="de-AT" dirty="0"/>
             </a:p>
           </p:txBody>
         </p:sp>
@@ -6345,7 +6404,7 @@
               <a:pPr>
                 <a:defRPr/>
               </a:pPr>
-              <a:endParaRPr lang="de-AT"/>
+              <a:endParaRPr lang="de-AT" dirty="0"/>
             </a:p>
           </p:txBody>
         </p:sp>
@@ -6384,7 +6443,7 @@
               <a:pPr>
                 <a:defRPr/>
               </a:pPr>
-              <a:endParaRPr lang="de-AT"/>
+              <a:endParaRPr lang="de-AT" dirty="0"/>
             </a:p>
           </p:txBody>
         </p:sp>
@@ -6423,7 +6482,7 @@
               <a:pPr>
                 <a:defRPr/>
               </a:pPr>
-              <a:endParaRPr lang="de-AT"/>
+              <a:endParaRPr lang="de-AT" dirty="0"/>
             </a:p>
           </p:txBody>
         </p:sp>
@@ -6462,7 +6521,7 @@
               <a:pPr>
                 <a:defRPr/>
               </a:pPr>
-              <a:endParaRPr lang="de-AT"/>
+              <a:endParaRPr lang="de-AT" dirty="0"/>
             </a:p>
           </p:txBody>
         </p:sp>
@@ -6501,7 +6560,7 @@
               <a:pPr>
                 <a:defRPr/>
               </a:pPr>
-              <a:endParaRPr lang="de-AT"/>
+              <a:endParaRPr lang="de-AT" dirty="0"/>
             </a:p>
           </p:txBody>
         </p:sp>
@@ -6540,7 +6599,7 @@
               <a:pPr>
                 <a:defRPr/>
               </a:pPr>
-              <a:endParaRPr lang="de-AT"/>
+              <a:endParaRPr lang="de-AT" dirty="0"/>
             </a:p>
           </p:txBody>
         </p:sp>
@@ -6579,7 +6638,7 @@
               <a:pPr>
                 <a:defRPr/>
               </a:pPr>
-              <a:endParaRPr lang="de-AT"/>
+              <a:endParaRPr lang="de-AT" dirty="0"/>
             </a:p>
           </p:txBody>
         </p:sp>
@@ -6618,7 +6677,7 @@
               <a:pPr>
                 <a:defRPr/>
               </a:pPr>
-              <a:endParaRPr lang="de-AT"/>
+              <a:endParaRPr lang="de-AT" dirty="0"/>
             </a:p>
           </p:txBody>
         </p:sp>
@@ -6657,7 +6716,7 @@
               <a:pPr>
                 <a:defRPr/>
               </a:pPr>
-              <a:endParaRPr lang="de-AT"/>
+              <a:endParaRPr lang="de-AT" dirty="0"/>
             </a:p>
           </p:txBody>
         </p:sp>
@@ -6696,7 +6755,7 @@
               <a:pPr>
                 <a:defRPr/>
               </a:pPr>
-              <a:endParaRPr lang="de-AT"/>
+              <a:endParaRPr lang="de-AT" dirty="0"/>
             </a:p>
           </p:txBody>
         </p:sp>
@@ -6735,7 +6794,7 @@
               <a:pPr>
                 <a:defRPr/>
               </a:pPr>
-              <a:endParaRPr lang="de-AT"/>
+              <a:endParaRPr lang="de-AT" dirty="0"/>
             </a:p>
           </p:txBody>
         </p:sp>
@@ -6774,7 +6833,7 @@
               <a:pPr>
                 <a:defRPr/>
               </a:pPr>
-              <a:endParaRPr lang="de-AT"/>
+              <a:endParaRPr lang="de-AT" dirty="0"/>
             </a:p>
           </p:txBody>
         </p:sp>
@@ -6813,7 +6872,7 @@
               <a:pPr>
                 <a:defRPr/>
               </a:pPr>
-              <a:endParaRPr lang="de-AT"/>
+              <a:endParaRPr lang="de-AT" dirty="0"/>
             </a:p>
           </p:txBody>
         </p:sp>
@@ -6852,7 +6911,7 @@
               <a:pPr>
                 <a:defRPr/>
               </a:pPr>
-              <a:endParaRPr lang="de-AT"/>
+              <a:endParaRPr lang="de-AT" dirty="0"/>
             </a:p>
           </p:txBody>
         </p:sp>
@@ -6891,7 +6950,7 @@
               <a:pPr>
                 <a:defRPr/>
               </a:pPr>
-              <a:endParaRPr lang="de-AT"/>
+              <a:endParaRPr lang="de-AT" dirty="0"/>
             </a:p>
           </p:txBody>
         </p:sp>
@@ -6930,7 +6989,7 @@
               <a:pPr>
                 <a:defRPr/>
               </a:pPr>
-              <a:endParaRPr lang="de-AT"/>
+              <a:endParaRPr lang="de-AT" dirty="0"/>
             </a:p>
           </p:txBody>
         </p:sp>
@@ -6969,7 +7028,7 @@
               <a:pPr>
                 <a:defRPr/>
               </a:pPr>
-              <a:endParaRPr lang="de-AT"/>
+              <a:endParaRPr lang="de-AT" dirty="0"/>
             </a:p>
           </p:txBody>
         </p:sp>
@@ -7008,7 +7067,7 @@
               <a:pPr>
                 <a:defRPr/>
               </a:pPr>
-              <a:endParaRPr lang="de-AT"/>
+              <a:endParaRPr lang="de-AT" dirty="0"/>
             </a:p>
           </p:txBody>
         </p:sp>
@@ -7047,7 +7106,7 @@
               <a:pPr>
                 <a:defRPr/>
               </a:pPr>
-              <a:endParaRPr lang="de-AT"/>
+              <a:endParaRPr lang="de-AT" dirty="0"/>
             </a:p>
           </p:txBody>
         </p:sp>
@@ -7086,7 +7145,7 @@
               <a:pPr>
                 <a:defRPr/>
               </a:pPr>
-              <a:endParaRPr lang="de-AT"/>
+              <a:endParaRPr lang="de-AT" dirty="0"/>
             </a:p>
           </p:txBody>
         </p:sp>
@@ -7125,7 +7184,7 @@
               <a:pPr>
                 <a:defRPr/>
               </a:pPr>
-              <a:endParaRPr lang="de-AT"/>
+              <a:endParaRPr lang="de-AT" dirty="0"/>
             </a:p>
           </p:txBody>
         </p:sp>
@@ -7164,7 +7223,7 @@
               <a:pPr>
                 <a:defRPr/>
               </a:pPr>
-              <a:endParaRPr lang="de-AT"/>
+              <a:endParaRPr lang="de-AT" dirty="0"/>
             </a:p>
           </p:txBody>
         </p:sp>
@@ -7203,7 +7262,7 @@
               <a:pPr>
                 <a:defRPr/>
               </a:pPr>
-              <a:endParaRPr lang="de-AT"/>
+              <a:endParaRPr lang="de-AT" dirty="0"/>
             </a:p>
           </p:txBody>
         </p:sp>
@@ -7242,7 +7301,7 @@
               <a:pPr>
                 <a:defRPr/>
               </a:pPr>
-              <a:endParaRPr lang="de-AT"/>
+              <a:endParaRPr lang="de-AT" dirty="0"/>
             </a:p>
           </p:txBody>
         </p:sp>
@@ -7281,7 +7340,7 @@
               <a:pPr>
                 <a:defRPr/>
               </a:pPr>
-              <a:endParaRPr lang="de-AT"/>
+              <a:endParaRPr lang="de-AT" dirty="0"/>
             </a:p>
           </p:txBody>
         </p:sp>
@@ -7320,7 +7379,7 @@
               <a:pPr>
                 <a:defRPr/>
               </a:pPr>
-              <a:endParaRPr lang="de-AT"/>
+              <a:endParaRPr lang="de-AT" dirty="0"/>
             </a:p>
           </p:txBody>
         </p:sp>
@@ -7359,7 +7418,7 @@
               <a:pPr>
                 <a:defRPr/>
               </a:pPr>
-              <a:endParaRPr lang="de-AT"/>
+              <a:endParaRPr lang="de-AT" dirty="0"/>
             </a:p>
           </p:txBody>
         </p:sp>
@@ -7398,7 +7457,7 @@
               <a:pPr>
                 <a:defRPr/>
               </a:pPr>
-              <a:endParaRPr lang="de-AT"/>
+              <a:endParaRPr lang="de-AT" dirty="0"/>
             </a:p>
           </p:txBody>
         </p:sp>
@@ -7437,7 +7496,7 @@
               <a:pPr>
                 <a:defRPr/>
               </a:pPr>
-              <a:endParaRPr lang="de-AT"/>
+              <a:endParaRPr lang="de-AT" dirty="0"/>
             </a:p>
           </p:txBody>
         </p:sp>
@@ -7476,7 +7535,7 @@
               <a:pPr>
                 <a:defRPr/>
               </a:pPr>
-              <a:endParaRPr lang="de-AT"/>
+              <a:endParaRPr lang="de-AT" dirty="0"/>
             </a:p>
           </p:txBody>
         </p:sp>
@@ -7515,7 +7574,7 @@
               <a:pPr>
                 <a:defRPr/>
               </a:pPr>
-              <a:endParaRPr lang="de-AT"/>
+              <a:endParaRPr lang="de-AT" dirty="0"/>
             </a:p>
           </p:txBody>
         </p:sp>
@@ -7554,7 +7613,7 @@
               <a:pPr>
                 <a:defRPr/>
               </a:pPr>
-              <a:endParaRPr lang="de-AT"/>
+              <a:endParaRPr lang="de-AT" dirty="0"/>
             </a:p>
           </p:txBody>
         </p:sp>
@@ -7593,7 +7652,7 @@
               <a:pPr>
                 <a:defRPr/>
               </a:pPr>
-              <a:endParaRPr lang="de-AT"/>
+              <a:endParaRPr lang="de-AT" dirty="0"/>
             </a:p>
           </p:txBody>
         </p:sp>
@@ -7632,7 +7691,7 @@
               <a:pPr>
                 <a:defRPr/>
               </a:pPr>
-              <a:endParaRPr lang="de-AT"/>
+              <a:endParaRPr lang="de-AT" dirty="0"/>
             </a:p>
           </p:txBody>
         </p:sp>
@@ -7671,7 +7730,7 @@
               <a:pPr>
                 <a:defRPr/>
               </a:pPr>
-              <a:endParaRPr lang="de-AT"/>
+              <a:endParaRPr lang="de-AT" dirty="0"/>
             </a:p>
           </p:txBody>
         </p:sp>
@@ -7710,7 +7769,7 @@
               <a:pPr>
                 <a:defRPr/>
               </a:pPr>
-              <a:endParaRPr lang="de-AT"/>
+              <a:endParaRPr lang="de-AT" dirty="0"/>
             </a:p>
           </p:txBody>
         </p:sp>
@@ -7749,7 +7808,7 @@
               <a:pPr>
                 <a:defRPr/>
               </a:pPr>
-              <a:endParaRPr lang="de-AT"/>
+              <a:endParaRPr lang="de-AT" dirty="0"/>
             </a:p>
           </p:txBody>
         </p:sp>
@@ -7788,7 +7847,7 @@
               <a:pPr>
                 <a:defRPr/>
               </a:pPr>
-              <a:endParaRPr lang="de-AT"/>
+              <a:endParaRPr lang="de-AT" dirty="0"/>
             </a:p>
           </p:txBody>
         </p:sp>
@@ -7827,7 +7886,7 @@
               <a:pPr>
                 <a:defRPr/>
               </a:pPr>
-              <a:endParaRPr lang="de-AT"/>
+              <a:endParaRPr lang="de-AT" dirty="0"/>
             </a:p>
           </p:txBody>
         </p:sp>
@@ -7866,7 +7925,7 @@
               <a:pPr>
                 <a:defRPr/>
               </a:pPr>
-              <a:endParaRPr lang="de-AT"/>
+              <a:endParaRPr lang="de-AT" dirty="0"/>
             </a:p>
           </p:txBody>
         </p:sp>
@@ -7905,7 +7964,7 @@
               <a:pPr>
                 <a:defRPr/>
               </a:pPr>
-              <a:endParaRPr lang="de-AT"/>
+              <a:endParaRPr lang="de-AT" dirty="0"/>
             </a:p>
           </p:txBody>
         </p:sp>
@@ -7944,7 +8003,7 @@
               <a:pPr>
                 <a:defRPr/>
               </a:pPr>
-              <a:endParaRPr lang="de-AT"/>
+              <a:endParaRPr lang="de-AT" dirty="0"/>
             </a:p>
           </p:txBody>
         </p:sp>
@@ -7983,7 +8042,7 @@
               <a:pPr>
                 <a:defRPr/>
               </a:pPr>
-              <a:endParaRPr lang="de-AT"/>
+              <a:endParaRPr lang="de-AT" dirty="0"/>
             </a:p>
           </p:txBody>
         </p:sp>
@@ -8022,7 +8081,7 @@
               <a:pPr>
                 <a:defRPr/>
               </a:pPr>
-              <a:endParaRPr lang="de-AT"/>
+              <a:endParaRPr lang="de-AT" dirty="0"/>
             </a:p>
           </p:txBody>
         </p:sp>
@@ -8061,7 +8120,7 @@
               <a:pPr>
                 <a:defRPr/>
               </a:pPr>
-              <a:endParaRPr lang="de-AT"/>
+              <a:endParaRPr lang="de-AT" dirty="0"/>
             </a:p>
           </p:txBody>
         </p:sp>
@@ -8100,7 +8159,7 @@
               <a:pPr>
                 <a:defRPr/>
               </a:pPr>
-              <a:endParaRPr lang="de-AT"/>
+              <a:endParaRPr lang="de-AT" dirty="0"/>
             </a:p>
           </p:txBody>
         </p:sp>
@@ -8139,7 +8198,7 @@
               <a:pPr>
                 <a:defRPr/>
               </a:pPr>
-              <a:endParaRPr lang="de-AT"/>
+              <a:endParaRPr lang="de-AT" dirty="0"/>
             </a:p>
           </p:txBody>
         </p:sp>
@@ -8178,7 +8237,7 @@
               <a:pPr>
                 <a:defRPr/>
               </a:pPr>
-              <a:endParaRPr lang="de-AT"/>
+              <a:endParaRPr lang="de-AT" dirty="0"/>
             </a:p>
           </p:txBody>
         </p:sp>
@@ -8217,7 +8276,7 @@
               <a:pPr>
                 <a:defRPr/>
               </a:pPr>
-              <a:endParaRPr lang="de-AT"/>
+              <a:endParaRPr lang="de-AT" dirty="0"/>
             </a:p>
           </p:txBody>
         </p:sp>
@@ -8256,7 +8315,7 @@
               <a:pPr>
                 <a:defRPr/>
               </a:pPr>
-              <a:endParaRPr lang="de-AT"/>
+              <a:endParaRPr lang="de-AT" dirty="0"/>
             </a:p>
           </p:txBody>
         </p:sp>
@@ -8295,7 +8354,7 @@
               <a:pPr>
                 <a:defRPr/>
               </a:pPr>
-              <a:endParaRPr lang="de-AT"/>
+              <a:endParaRPr lang="de-AT" dirty="0"/>
             </a:p>
           </p:txBody>
         </p:sp>
@@ -8334,7 +8393,7 @@
               <a:pPr>
                 <a:defRPr/>
               </a:pPr>
-              <a:endParaRPr lang="de-AT"/>
+              <a:endParaRPr lang="de-AT" dirty="0"/>
             </a:p>
           </p:txBody>
         </p:sp>
@@ -8373,7 +8432,7 @@
               <a:pPr>
                 <a:defRPr/>
               </a:pPr>
-              <a:endParaRPr lang="de-AT"/>
+              <a:endParaRPr lang="de-AT" dirty="0"/>
             </a:p>
           </p:txBody>
         </p:sp>
@@ -8412,7 +8471,7 @@
               <a:pPr>
                 <a:defRPr/>
               </a:pPr>
-              <a:endParaRPr lang="de-AT"/>
+              <a:endParaRPr lang="de-AT" dirty="0"/>
             </a:p>
           </p:txBody>
         </p:sp>
@@ -8451,7 +8510,7 @@
               <a:pPr>
                 <a:defRPr/>
               </a:pPr>
-              <a:endParaRPr lang="de-AT"/>
+              <a:endParaRPr lang="de-AT" dirty="0"/>
             </a:p>
           </p:txBody>
         </p:sp>
@@ -8490,7 +8549,7 @@
               <a:pPr>
                 <a:defRPr/>
               </a:pPr>
-              <a:endParaRPr lang="de-AT"/>
+              <a:endParaRPr lang="de-AT" dirty="0"/>
             </a:p>
           </p:txBody>
         </p:sp>
@@ -8529,7 +8588,7 @@
               <a:pPr>
                 <a:defRPr/>
               </a:pPr>
-              <a:endParaRPr lang="de-AT"/>
+              <a:endParaRPr lang="de-AT" dirty="0"/>
             </a:p>
           </p:txBody>
         </p:sp>
@@ -8568,7 +8627,7 @@
               <a:pPr>
                 <a:defRPr/>
               </a:pPr>
-              <a:endParaRPr lang="de-AT"/>
+              <a:endParaRPr lang="de-AT" dirty="0"/>
             </a:p>
           </p:txBody>
         </p:sp>
@@ -8607,7 +8666,7 @@
               <a:pPr>
                 <a:defRPr/>
               </a:pPr>
-              <a:endParaRPr lang="de-AT"/>
+              <a:endParaRPr lang="de-AT" dirty="0"/>
             </a:p>
           </p:txBody>
         </p:sp>
@@ -9936,7 +9995,7 @@
               <a:pPr>
                 <a:defRPr/>
               </a:pPr>
-              <a:endParaRPr lang="de-AT"/>
+              <a:endParaRPr lang="de-AT" dirty="0"/>
             </a:p>
           </p:txBody>
         </p:sp>
@@ -10721,7 +10780,7 @@
               <a:pPr>
                 <a:defRPr/>
               </a:pPr>
-              <a:endParaRPr lang="de-AT"/>
+              <a:endParaRPr lang="de-AT" dirty="0"/>
             </a:p>
           </p:txBody>
         </p:sp>
@@ -11350,7 +11409,7 @@
               <a:pPr>
                 <a:defRPr/>
               </a:pPr>
-              <a:endParaRPr lang="de-AT"/>
+              <a:endParaRPr lang="de-AT" dirty="0"/>
             </a:p>
           </p:txBody>
         </p:sp>
@@ -11595,7 +11654,7 @@
               <a:pPr>
                 <a:defRPr/>
               </a:pPr>
-              <a:endParaRPr lang="de-AT"/>
+              <a:endParaRPr lang="de-AT" dirty="0"/>
             </a:p>
           </p:txBody>
         </p:sp>
@@ -11840,7 +11899,7 @@
               <a:pPr>
                 <a:defRPr/>
               </a:pPr>
-              <a:endParaRPr lang="de-AT"/>
+              <a:endParaRPr lang="de-AT" dirty="0"/>
             </a:p>
           </p:txBody>
         </p:sp>
@@ -12019,7 +12078,7 @@
               <a:pPr>
                 <a:defRPr/>
               </a:pPr>
-              <a:endParaRPr lang="de-AT"/>
+              <a:endParaRPr lang="de-AT" dirty="0"/>
             </a:p>
           </p:txBody>
         </p:sp>
@@ -12480,7 +12539,7 @@
               <a:pPr>
                 <a:defRPr/>
               </a:pPr>
-              <a:endParaRPr lang="de-AT"/>
+              <a:endParaRPr lang="de-AT" dirty="0"/>
             </a:p>
           </p:txBody>
         </p:sp>
@@ -12701,7 +12760,7 @@
               <a:pPr>
                 <a:defRPr/>
               </a:pPr>
-              <a:endParaRPr lang="de-AT"/>
+              <a:endParaRPr lang="de-AT" dirty="0"/>
             </a:p>
           </p:txBody>
         </p:sp>
@@ -12921,7 +12980,7 @@
               <a:defRPr/>
             </a:pPr>
             <a:r>
-              <a:rPr lang="en-GB"/>
+              <a:rPr lang="en-GB" dirty="0"/>
               <a:t>add name/title under INSERT -&gt; Header&amp;Footer (Apply to All)</a:t>
             </a:r>
             <a:endParaRPr lang="de-AT" dirty="0"/>
@@ -13036,15 +13095,7 @@
             </a:pPr>
             <a:r>
               <a:rPr lang="en-GB" dirty="0"/>
-              <a:t>add name/title under INSERT -&gt; </a:t>
-            </a:r>
-            <a:r>
-              <a:rPr lang="en-GB" dirty="0" err="1"/>
-              <a:t>Header&amp;Footer</a:t>
-            </a:r>
-            <a:r>
-              <a:rPr lang="en-GB" dirty="0"/>
-              <a:t> (Apply to All)</a:t>
+              <a:t>add name/title under INSERT -&gt; Header&amp;Footer (Apply to All)</a:t>
             </a:r>
             <a:endParaRPr lang="de-AT" dirty="0"/>
           </a:p>
@@ -13155,7 +13206,7 @@
               <a:buNone/>
               <a:tabLst/>
             </a:pPr>
-            <a:endParaRPr kumimoji="0" lang="en-GB" sz="1800" b="0" i="0" u="none" strike="noStrike" cap="none" normalizeH="0" baseline="0">
+            <a:endParaRPr kumimoji="0" lang="en-GB" sz="1800" b="0" i="0" u="none" strike="noStrike" cap="none" normalizeH="0" baseline="0" dirty="0">
               <a:ln>
                 <a:noFill/>
               </a:ln>
@@ -13219,15 +13270,7 @@
             </a:pPr>
             <a:r>
               <a:rPr lang="en-GB" dirty="0"/>
-              <a:t>add name/title under INSERT -&gt; </a:t>
-            </a:r>
-            <a:r>
-              <a:rPr lang="en-GB" dirty="0" err="1"/>
-              <a:t>Header&amp;Footer</a:t>
-            </a:r>
-            <a:r>
-              <a:rPr lang="en-GB" dirty="0"/>
-              <a:t> (Apply to All)</a:t>
+              <a:t>add name/title under INSERT -&gt; Header&amp;Footer (Apply to All)</a:t>
             </a:r>
             <a:endParaRPr lang="de-AT" dirty="0"/>
           </a:p>
@@ -14526,7 +14569,7 @@
               <a:pPr>
                 <a:defRPr/>
               </a:pPr>
-              <a:endParaRPr lang="de-AT">
+              <a:endParaRPr lang="de-AT" dirty="0">
                 <a:latin typeface="Calibri" pitchFamily="34" charset="0"/>
               </a:endParaRPr>
             </a:p>
@@ -15313,7 +15356,7 @@
               <a:pPr>
                 <a:defRPr/>
               </a:pPr>
-              <a:endParaRPr lang="de-AT">
+              <a:endParaRPr lang="de-AT" dirty="0">
                 <a:latin typeface="Calibri" pitchFamily="34" charset="0"/>
               </a:endParaRPr>
             </a:p>
@@ -15944,7 +15987,7 @@
               <a:pPr>
                 <a:defRPr/>
               </a:pPr>
-              <a:endParaRPr lang="de-AT">
+              <a:endParaRPr lang="de-AT" dirty="0">
                 <a:latin typeface="Calibri" pitchFamily="34" charset="0"/>
               </a:endParaRPr>
             </a:p>
@@ -16191,7 +16234,7 @@
               <a:pPr>
                 <a:defRPr/>
               </a:pPr>
-              <a:endParaRPr lang="de-AT">
+              <a:endParaRPr lang="de-AT" dirty="0">
                 <a:latin typeface="Calibri" pitchFamily="34" charset="0"/>
               </a:endParaRPr>
             </a:p>
@@ -16440,7 +16483,7 @@
               <a:pPr>
                 <a:defRPr/>
               </a:pPr>
-              <a:endParaRPr lang="de-AT">
+              <a:endParaRPr lang="de-AT" dirty="0">
                 <a:latin typeface="Calibri" pitchFamily="34" charset="0"/>
               </a:endParaRPr>
             </a:p>
@@ -16621,7 +16664,7 @@
               <a:pPr>
                 <a:defRPr/>
               </a:pPr>
-              <a:endParaRPr lang="de-AT">
+              <a:endParaRPr lang="de-AT" dirty="0">
                 <a:latin typeface="Calibri" pitchFamily="34" charset="0"/>
               </a:endParaRPr>
             </a:p>
@@ -17084,7 +17127,7 @@
               <a:pPr>
                 <a:defRPr/>
               </a:pPr>
-              <a:endParaRPr lang="de-AT">
+              <a:endParaRPr lang="de-AT" dirty="0">
                 <a:latin typeface="Calibri" pitchFamily="34" charset="0"/>
               </a:endParaRPr>
             </a:p>
@@ -17307,7 +17350,7 @@
               <a:pPr>
                 <a:defRPr/>
               </a:pPr>
-              <a:endParaRPr lang="de-AT">
+              <a:endParaRPr lang="de-AT" dirty="0">
                 <a:latin typeface="Calibri" pitchFamily="34" charset="0"/>
               </a:endParaRPr>
             </a:p>
@@ -17485,7 +17528,7 @@
               <a:defRPr/>
             </a:pPr>
             <a:r>
-              <a:rPr lang="en-GB"/>
+              <a:rPr lang="en-GB" dirty="0"/>
               <a:t>add name/title under INSERT -&gt; Header&amp;Footer (Apply to All)</a:t>
             </a:r>
             <a:endParaRPr lang="de-AT" dirty="0"/>
@@ -17602,7 +17645,7 @@
               <a:buNone/>
               <a:tabLst/>
             </a:pPr>
-            <a:endParaRPr kumimoji="0" lang="en-GB" sz="1800" b="0" i="0" u="none" strike="noStrike" cap="none" normalizeH="0" baseline="0">
+            <a:endParaRPr kumimoji="0" lang="en-GB" sz="1800" b="0" i="0" u="none" strike="noStrike" cap="none" normalizeH="0" baseline="0" dirty="0">
               <a:ln>
                 <a:noFill/>
               </a:ln>
@@ -17762,15 +17805,7 @@
             </a:pPr>
             <a:r>
               <a:rPr lang="en-GB" dirty="0"/>
-              <a:t>add name/title under INSERT -&gt; </a:t>
-            </a:r>
-            <a:r>
-              <a:rPr lang="en-GB" dirty="0" err="1"/>
-              <a:t>Header&amp;Footer</a:t>
-            </a:r>
-            <a:r>
-              <a:rPr lang="en-GB" dirty="0"/>
-              <a:t> (Apply to All)</a:t>
+              <a:t>add name/title under INSERT -&gt; Header&amp;Footer (Apply to All)</a:t>
             </a:r>
             <a:endParaRPr lang="de-AT" dirty="0"/>
           </a:p>
@@ -19090,7 +19125,7 @@
               <a:pPr>
                 <a:defRPr/>
               </a:pPr>
-              <a:endParaRPr lang="de-AT">
+              <a:endParaRPr lang="de-AT" dirty="0">
                 <a:latin typeface="Calibri" pitchFamily="34" charset="0"/>
               </a:endParaRPr>
             </a:p>
@@ -19877,7 +19912,7 @@
               <a:pPr>
                 <a:defRPr/>
               </a:pPr>
-              <a:endParaRPr lang="de-AT">
+              <a:endParaRPr lang="de-AT" dirty="0">
                 <a:latin typeface="Calibri" pitchFamily="34" charset="0"/>
               </a:endParaRPr>
             </a:p>
@@ -20508,7 +20543,7 @@
               <a:pPr>
                 <a:defRPr/>
               </a:pPr>
-              <a:endParaRPr lang="de-AT">
+              <a:endParaRPr lang="de-AT" dirty="0">
                 <a:latin typeface="Calibri" pitchFamily="34" charset="0"/>
               </a:endParaRPr>
             </a:p>
@@ -20755,7 +20790,7 @@
               <a:pPr>
                 <a:defRPr/>
               </a:pPr>
-              <a:endParaRPr lang="de-AT">
+              <a:endParaRPr lang="de-AT" dirty="0">
                 <a:latin typeface="Calibri" pitchFamily="34" charset="0"/>
               </a:endParaRPr>
             </a:p>
@@ -21004,7 +21039,7 @@
               <a:pPr>
                 <a:defRPr/>
               </a:pPr>
-              <a:endParaRPr lang="de-AT">
+              <a:endParaRPr lang="de-AT" dirty="0">
                 <a:latin typeface="Calibri" pitchFamily="34" charset="0"/>
               </a:endParaRPr>
             </a:p>
@@ -21185,7 +21220,7 @@
               <a:pPr>
                 <a:defRPr/>
               </a:pPr>
-              <a:endParaRPr lang="de-AT">
+              <a:endParaRPr lang="de-AT" dirty="0">
                 <a:latin typeface="Calibri" pitchFamily="34" charset="0"/>
               </a:endParaRPr>
             </a:p>
@@ -21648,7 +21683,7 @@
               <a:pPr>
                 <a:defRPr/>
               </a:pPr>
-              <a:endParaRPr lang="de-AT">
+              <a:endParaRPr lang="de-AT" dirty="0">
                 <a:latin typeface="Calibri" pitchFamily="34" charset="0"/>
               </a:endParaRPr>
             </a:p>
@@ -21871,7 +21906,7 @@
               <a:pPr>
                 <a:defRPr/>
               </a:pPr>
-              <a:endParaRPr lang="de-AT">
+              <a:endParaRPr lang="de-AT" dirty="0">
                 <a:latin typeface="Calibri" pitchFamily="34" charset="0"/>
               </a:endParaRPr>
             </a:p>
@@ -21931,7 +21966,7 @@
               <a:buNone/>
               <a:tabLst/>
             </a:pPr>
-            <a:endParaRPr kumimoji="0" lang="en-GB" sz="1800" b="0" i="0" u="none" strike="noStrike" cap="none" normalizeH="0" baseline="0">
+            <a:endParaRPr kumimoji="0" lang="en-GB" sz="1800" b="0" i="0" u="none" strike="noStrike" cap="none" normalizeH="0" baseline="0" dirty="0">
               <a:ln>
                 <a:noFill/>
               </a:ln>
@@ -22480,7 +22515,7 @@
           <a:lstStyle/>
           <a:p>
             <a:r>
-              <a:rPr lang="de-AT" dirty="0" err="1"/>
+              <a:rPr lang="en-US" dirty="0"/>
               <a:t>Proposal</a:t>
             </a:r>
             <a:r>
@@ -22565,8 +22600,8 @@
         </p:blipFill>
         <p:spPr>
           <a:xfrm>
-            <a:off x="3735968" y="2167136"/>
-            <a:ext cx="4347939" cy="2830123"/>
+            <a:off x="3906381" y="2121451"/>
+            <a:ext cx="4382404" cy="2852557"/>
           </a:xfrm>
           <a:prstGeom prst="rect">
             <a:avLst/>
@@ -22589,10 +22624,9 @@
           <a:lstStyle/>
           <a:p>
             <a:r>
-              <a:rPr lang="de-AT" dirty="0" err="1"/>
+              <a:rPr lang="en-US" dirty="0"/>
               <a:t>Introduction</a:t>
             </a:r>
-            <a:endParaRPr lang="de-AT" dirty="0"/>
           </a:p>
         </p:txBody>
       </p:sp>
@@ -22624,72 +22658,6 @@
       </p:sp>
       <p:sp>
         <p:nvSpPr>
-          <p:cNvPr id="6" name="Rectangle 5"/>
-          <p:cNvSpPr/>
-          <p:nvPr/>
-        </p:nvSpPr>
-        <p:spPr bwMode="auto">
-          <a:xfrm>
-            <a:off x="10490075" y="1341562"/>
-            <a:ext cx="985020" cy="981522"/>
-          </a:xfrm>
-          <a:prstGeom prst="rect">
-            <a:avLst/>
-          </a:prstGeom>
-          <a:solidFill>
-            <a:srgbClr val="FFFFFF">
-              <a:alpha val="40000"/>
-            </a:srgbClr>
-          </a:solidFill>
-          <a:ln w="28575" cap="flat" cmpd="sng" algn="ctr">
-            <a:noFill/>
-            <a:prstDash val="solid"/>
-            <a:round/>
-            <a:headEnd type="none" w="med" len="med"/>
-            <a:tailEnd type="none" w="med" len="med"/>
-          </a:ln>
-          <a:effectLst/>
-        </p:spPr>
-        <p:txBody>
-          <a:bodyPr rot="0" spcFirstLastPara="0" vertOverflow="overflow" horzOverflow="overflow" vert="horz" wrap="square" lIns="91440" tIns="45720" rIns="91440" bIns="45720" numCol="1" spcCol="0" rtlCol="0" fromWordArt="0" anchor="t" anchorCtr="0" forceAA="0" compatLnSpc="1">
-            <a:prstTxWarp prst="textNoShape">
-              <a:avLst/>
-            </a:prstTxWarp>
-            <a:noAutofit/>
-          </a:bodyPr>
-          <a:lstStyle/>
-          <a:p>
-            <a:pPr marL="0" marR="0" indent="0" algn="l" defTabSz="914400" rtl="0" eaLnBrk="1" fontAlgn="base" latinLnBrk="0" hangingPunct="1">
-              <a:lnSpc>
-                <a:spcPct val="100000"/>
-              </a:lnSpc>
-              <a:spcBef>
-                <a:spcPct val="0"/>
-              </a:spcBef>
-              <a:spcAft>
-                <a:spcPct val="0"/>
-              </a:spcAft>
-              <a:buClrTx/>
-              <a:buSzTx/>
-              <a:buFontTx/>
-              <a:buNone/>
-              <a:tabLst/>
-            </a:pPr>
-            <a:endParaRPr kumimoji="0" lang="en-GB" sz="1800" b="0" i="0" u="none" strike="noStrike" cap="none" normalizeH="0" baseline="0">
-              <a:ln>
-                <a:noFill/>
-              </a:ln>
-              <a:solidFill>
-                <a:schemeClr val="tx1"/>
-              </a:solidFill>
-              <a:effectLst/>
-              <a:latin typeface="Arial" charset="0"/>
-            </a:endParaRPr>
-          </a:p>
-        </p:txBody>
-      </p:sp>
-      <p:sp>
-        <p:nvSpPr>
           <p:cNvPr id="7" name="TextBox 6">
             <a:extLst>
               <a:ext uri="{FF2B5EF4-FFF2-40B4-BE49-F238E27FC236}">
@@ -22702,7 +22670,7 @@
         </p:nvSpPr>
         <p:spPr>
           <a:xfrm>
-            <a:off x="243473" y="1847425"/>
+            <a:off x="120923" y="2301554"/>
             <a:ext cx="4661600" cy="584775"/>
           </a:xfrm>
           <a:prstGeom prst="rect">
@@ -22722,7 +22690,7 @@
               </a:rPr>
               <a:t>RDF Knowledge Graphs</a:t>
             </a:r>
-            <a:endParaRPr lang="en-AU" sz="3200" dirty="0" err="1">
+            <a:endParaRPr lang="en-AU" sz="3200" dirty="0">
               <a:latin typeface="Calibri" panose="020F0502020204030204" pitchFamily="34" charset="0"/>
             </a:endParaRPr>
           </a:p>
@@ -22742,7 +22710,7 @@
         </p:nvSpPr>
         <p:spPr>
           <a:xfrm>
-            <a:off x="4813210" y="1129522"/>
+            <a:off x="4998953" y="1168086"/>
             <a:ext cx="2197268" cy="584775"/>
           </a:xfrm>
           <a:prstGeom prst="rect">
@@ -22757,20 +22725,11 @@
           <a:lstStyle/>
           <a:p>
             <a:r>
-              <a:rPr lang="de-DE" sz="3200" dirty="0">
+              <a:rPr lang="en-US" sz="3200" dirty="0">
                 <a:latin typeface="Calibri" panose="020F0502020204030204" pitchFamily="34" charset="0"/>
               </a:rPr>
-              <a:t>Data </a:t>
+              <a:t>Data quality</a:t>
             </a:r>
-            <a:r>
-              <a:rPr lang="de-DE" sz="3200" dirty="0" err="1">
-                <a:latin typeface="Calibri" panose="020F0502020204030204" pitchFamily="34" charset="0"/>
-              </a:rPr>
-              <a:t>quality</a:t>
-            </a:r>
-            <a:endParaRPr lang="en-AU" sz="3200" dirty="0" err="1">
-              <a:latin typeface="Calibri" panose="020F0502020204030204" pitchFamily="34" charset="0"/>
-            </a:endParaRPr>
           </a:p>
         </p:txBody>
       </p:sp>
@@ -22788,7 +22747,7 @@
         </p:nvSpPr>
         <p:spPr>
           <a:xfrm>
-            <a:off x="9232808" y="1847424"/>
+            <a:off x="9027205" y="2301555"/>
             <a:ext cx="1257267" cy="584775"/>
           </a:xfrm>
           <a:prstGeom prst="rect">
@@ -22808,7 +22767,7 @@
               </a:rPr>
               <a:t>SHACL</a:t>
             </a:r>
-            <a:endParaRPr lang="en-AU" sz="3200" dirty="0" err="1">
+            <a:endParaRPr lang="en-AU" sz="3200" dirty="0">
               <a:latin typeface="Calibri" panose="020F0502020204030204" pitchFamily="34" charset="0"/>
             </a:endParaRPr>
           </a:p>
@@ -22828,8 +22787,8 @@
         </p:nvSpPr>
         <p:spPr>
           <a:xfrm>
-            <a:off x="5486888" y="5229994"/>
-            <a:ext cx="849913" cy="584775"/>
+            <a:off x="3876045" y="5323653"/>
+            <a:ext cx="4443076" cy="584775"/>
           </a:xfrm>
           <a:prstGeom prst="rect">
             <a:avLst/>
@@ -22843,14 +22802,41 @@
           <a:lstStyle/>
           <a:p>
             <a:r>
+              <a:rPr lang="de-DE" sz="3200" b="1" dirty="0">
+                <a:latin typeface="Calibri" panose="020F0502020204030204" pitchFamily="34" charset="0"/>
+              </a:rPr>
+              <a:t>Q</a:t>
+            </a:r>
+            <a:r>
               <a:rPr lang="de-DE" sz="3200" dirty="0">
                 <a:latin typeface="Calibri" panose="020F0502020204030204" pitchFamily="34" charset="0"/>
               </a:rPr>
-              <a:t>QSE</a:t>
+              <a:t>uality </a:t>
             </a:r>
-            <a:endParaRPr lang="en-AU" sz="3200" dirty="0" err="1">
-              <a:latin typeface="Calibri" panose="020F0502020204030204" pitchFamily="34" charset="0"/>
-            </a:endParaRPr>
+            <a:r>
+              <a:rPr lang="de-DE" sz="3200" b="1" dirty="0">
+                <a:latin typeface="Calibri" panose="020F0502020204030204" pitchFamily="34" charset="0"/>
+              </a:rPr>
+              <a:t>S</a:t>
+            </a:r>
+            <a:r>
+              <a:rPr lang="de-DE" sz="3200" dirty="0">
+                <a:latin typeface="Calibri" panose="020F0502020204030204" pitchFamily="34" charset="0"/>
+              </a:rPr>
+              <a:t>hapes </a:t>
+            </a:r>
+            <a:r>
+              <a:rPr lang="en-US" sz="3200" b="1" dirty="0">
+                <a:latin typeface="Calibri" panose="020F0502020204030204" pitchFamily="34" charset="0"/>
+              </a:rPr>
+              <a:t>E</a:t>
+            </a:r>
+            <a:r>
+              <a:rPr lang="en-US" sz="3200" dirty="0">
+                <a:latin typeface="Calibri" panose="020F0502020204030204" pitchFamily="34" charset="0"/>
+              </a:rPr>
+              <a:t>xtraction</a:t>
+            </a:r>
           </a:p>
         </p:txBody>
       </p:sp>
@@ -22868,7 +22854,7 @@
         </p:nvSpPr>
         <p:spPr>
           <a:xfrm>
-            <a:off x="6283773" y="5742485"/>
+            <a:off x="7747145" y="5965685"/>
             <a:ext cx="1453411" cy="584775"/>
           </a:xfrm>
           <a:prstGeom prst="rect">
@@ -22883,12 +22869,12 @@
           <a:lstStyle/>
           <a:p>
             <a:r>
-              <a:rPr lang="de-DE" sz="3200" dirty="0" err="1">
+              <a:rPr lang="de-DE" sz="3200" dirty="0">
                 <a:latin typeface="Calibri" panose="020F0502020204030204" pitchFamily="34" charset="0"/>
               </a:rPr>
               <a:t>Shactor</a:t>
             </a:r>
-            <a:endParaRPr lang="en-AU" sz="3200" dirty="0" err="1">
+            <a:endParaRPr lang="en-AU" sz="3200" dirty="0">
               <a:latin typeface="Calibri" panose="020F0502020204030204" pitchFamily="34" charset="0"/>
             </a:endParaRPr>
           </a:p>
@@ -22908,7 +22894,7 @@
         </p:nvSpPr>
         <p:spPr>
           <a:xfrm>
-            <a:off x="243473" y="4038185"/>
+            <a:off x="413886" y="4152776"/>
             <a:ext cx="3492495" cy="1077218"/>
           </a:xfrm>
           <a:prstGeom prst="rect">
@@ -22923,34 +22909,19 @@
           <a:lstStyle/>
           <a:p>
             <a:r>
-              <a:rPr lang="de-DE" sz="3200" dirty="0" err="1">
+              <a:rPr lang="en-US" sz="3200" dirty="0">
                 <a:latin typeface="Calibri" panose="020F0502020204030204" pitchFamily="34" charset="0"/>
               </a:rPr>
-              <a:t>Evolving</a:t>
-            </a:r>
-            <a:r>
-              <a:rPr lang="de-DE" sz="3200" dirty="0">
-                <a:latin typeface="Calibri" panose="020F0502020204030204" pitchFamily="34" charset="0"/>
-              </a:rPr>
-              <a:t> Knowledge</a:t>
+              <a:t>Evolving Knowledge</a:t>
             </a:r>
           </a:p>
           <a:p>
             <a:r>
-              <a:rPr lang="de-DE" sz="3200" dirty="0">
+              <a:rPr lang="en-US" sz="3200" dirty="0">
                 <a:latin typeface="Calibri" panose="020F0502020204030204" pitchFamily="34" charset="0"/>
               </a:rPr>
-              <a:t> </a:t>
+              <a:t> graphs</a:t>
             </a:r>
-            <a:r>
-              <a:rPr lang="de-DE" sz="3200" dirty="0" err="1">
-                <a:latin typeface="Calibri" panose="020F0502020204030204" pitchFamily="34" charset="0"/>
-              </a:rPr>
-              <a:t>graphs</a:t>
-            </a:r>
-            <a:endParaRPr lang="en-AU" sz="3200" dirty="0" err="1">
-              <a:latin typeface="Calibri" panose="020F0502020204030204" pitchFamily="34" charset="0"/>
-            </a:endParaRPr>
           </a:p>
         </p:txBody>
       </p:sp>
@@ -22968,8 +22939,8 @@
         </p:nvSpPr>
         <p:spPr>
           <a:xfrm rot="10800000" flipV="1">
-            <a:off x="8083907" y="3049799"/>
-            <a:ext cx="4401131" cy="1938992"/>
+            <a:off x="8473851" y="2886329"/>
+            <a:ext cx="4166290" cy="1938992"/>
           </a:xfrm>
           <a:prstGeom prst="rect">
             <a:avLst/>
@@ -22983,122 +22954,85 @@
           <a:lstStyle/>
           <a:p>
             <a:r>
-              <a:rPr lang="en-AU" sz="2000" dirty="0" err="1"/>
-              <a:t>ex:PersonShape</a:t>
+              <a:rPr lang="en-AU" sz="2000" dirty="0">
+                <a:latin typeface="+mj-lt"/>
+              </a:rPr>
+              <a:t>ex:PersonShape a sh:NodeShape ; </a:t>
+            </a:r>
+          </a:p>
+          <a:p>
+            <a:r>
+              <a:rPr lang="en-AU" sz="2000" dirty="0">
+                <a:latin typeface="+mj-lt"/>
+              </a:rPr>
+              <a:t>sh:targetClass ex:</a:t>
             </a:r>
             <a:r>
-              <a:rPr lang="en-AU" sz="2000" dirty="0"/>
-              <a:t> a </a:t>
+              <a:rPr lang="en-AU" sz="2000" dirty="0">
+                <a:solidFill>
+                  <a:schemeClr val="accent5">
+                    <a:lumMod val="75000"/>
+                  </a:schemeClr>
+                </a:solidFill>
+                <a:latin typeface="+mj-lt"/>
+              </a:rPr>
+              <a:t>Person</a:t>
             </a:r>
             <a:r>
-              <a:rPr lang="en-AU" sz="2000" dirty="0" err="1"/>
-              <a:t>sh:NodeShape</a:t>
-            </a:r>
-            <a:r>
-              <a:rPr lang="en-AU" sz="2000" dirty="0"/>
+              <a:rPr lang="en-AU" sz="2000" dirty="0">
+                <a:latin typeface="+mj-lt"/>
+              </a:rPr>
               <a:t> ; </a:t>
             </a:r>
           </a:p>
           <a:p>
             <a:r>
-              <a:rPr lang="en-AU" sz="2000" dirty="0" err="1"/>
-              <a:t>sh:targetClass</a:t>
+              <a:rPr lang="en-AU" sz="2000" dirty="0">
+                <a:latin typeface="+mj-lt"/>
+              </a:rPr>
+              <a:t>sh:property [ </a:t>
+            </a:r>
+          </a:p>
+          <a:p>
+            <a:r>
+              <a:rPr lang="en-AU" sz="2000" dirty="0">
+                <a:latin typeface="+mj-lt"/>
+              </a:rPr>
+              <a:t>   a sh:PropertyShape; </a:t>
+            </a:r>
+          </a:p>
+          <a:p>
+            <a:r>
+              <a:rPr lang="en-AU" sz="2000" dirty="0">
+                <a:latin typeface="+mj-lt"/>
+              </a:rPr>
+              <a:t>   sh:path ex:</a:t>
             </a:r>
             <a:r>
-              <a:rPr lang="en-AU" sz="2000" dirty="0"/>
-              <a:t> </a:t>
-            </a:r>
-            <a:r>
-              <a:rPr lang="en-AU" sz="2000" dirty="0" err="1"/>
-              <a:t>ex:</a:t>
-            </a:r>
-            <a:r>
-              <a:rPr lang="en-AU" sz="2000" dirty="0" err="1">
+              <a:rPr lang="en-AU" sz="2000" dirty="0">
                 <a:solidFill>
                   <a:schemeClr val="accent5">
                     <a:lumMod val="75000"/>
                   </a:schemeClr>
                 </a:solidFill>
+                <a:latin typeface="+mj-lt"/>
               </a:rPr>
-              <a:t>Person</a:t>
+              <a:t>name</a:t>
             </a:r>
             <a:r>
-              <a:rPr lang="en-AU" sz="2000" dirty="0"/>
-              <a:t> ; </a:t>
-            </a:r>
-          </a:p>
-          <a:p>
-            <a:r>
-              <a:rPr lang="en-AU" sz="2000" dirty="0" err="1"/>
-              <a:t>sh:property</a:t>
-            </a:r>
-            <a:r>
-              <a:rPr lang="en-AU" sz="2000" dirty="0"/>
-              <a:t> [ </a:t>
-            </a:r>
-          </a:p>
-          <a:p>
-            <a:r>
-              <a:rPr lang="en-AU" sz="2000" dirty="0"/>
-              <a:t>   a </a:t>
-            </a:r>
-            <a:r>
-              <a:rPr lang="en-AU" sz="2000" dirty="0" err="1"/>
-              <a:t>sh:PropertyShape</a:t>
-            </a:r>
-            <a:r>
-              <a:rPr lang="en-AU" sz="2000" dirty="0"/>
+              <a:rPr lang="en-AU" sz="2000" dirty="0">
+                <a:latin typeface="+mj-lt"/>
+              </a:rPr>
               <a:t>; </a:t>
             </a:r>
           </a:p>
           <a:p>
             <a:r>
-              <a:rPr lang="en-AU" sz="2000" dirty="0"/>
-              <a:t>   </a:t>
+              <a:rPr lang="en-AU" sz="2000" dirty="0">
+                <a:latin typeface="+mj-lt"/>
+              </a:rPr>
+              <a:t>   sh:minCount 1 ] . </a:t>
             </a:r>
-            <a:r>
-              <a:rPr lang="en-AU" sz="2000" dirty="0" err="1"/>
-              <a:t>sh:path</a:t>
-            </a:r>
-            <a:r>
-              <a:rPr lang="en-AU" sz="2000" dirty="0"/>
-              <a:t> </a:t>
-            </a:r>
-            <a:r>
-              <a:rPr lang="en-AU" sz="2000" dirty="0" err="1"/>
-              <a:t>ex:</a:t>
-            </a:r>
-            <a:r>
-              <a:rPr lang="en-AU" sz="2000" dirty="0" err="1">
-                <a:solidFill>
-                  <a:schemeClr val="accent5">
-                    <a:lumMod val="75000"/>
-                  </a:schemeClr>
-                </a:solidFill>
-              </a:rPr>
-              <a:t>name</a:t>
-            </a:r>
-            <a:r>
-              <a:rPr lang="en-AU" sz="2000" dirty="0"/>
-              <a:t>; </a:t>
-            </a:r>
-          </a:p>
-          <a:p>
-            <a:r>
-              <a:rPr lang="en-AU" sz="2000" dirty="0"/>
-              <a:t>   </a:t>
-            </a:r>
-            <a:r>
-              <a:rPr lang="en-AU" sz="2000" dirty="0" err="1"/>
-              <a:t>sh:minCount</a:t>
-            </a:r>
-            <a:r>
-              <a:rPr lang="en-AU" sz="2000" dirty="0"/>
-              <a:t> 1 ] . </a:t>
-            </a:r>
-            <a:endParaRPr lang="en-AU" sz="2000" dirty="0">
-              <a:latin typeface="Calibri" panose="020F0502020204030204" pitchFamily="34" charset="0"/>
-            </a:endParaRPr>
           </a:p>
         </p:txBody>
       </p:sp>
@@ -23325,7 +23259,7 @@
           <a:lstStyle/>
           <a:p>
             <a:r>
-              <a:rPr lang="de-DE" dirty="0" err="1"/>
+              <a:rPr lang="en-US" dirty="0"/>
               <a:t>Methodology</a:t>
             </a:r>
             <a:r>
@@ -23333,10 +23267,9 @@
               <a:t> and </a:t>
             </a:r>
             <a:r>
-              <a:rPr lang="de-DE" dirty="0" err="1"/>
+              <a:rPr lang="en-US" dirty="0"/>
               <a:t>approach</a:t>
             </a:r>
-            <a:endParaRPr lang="en-AU" dirty="0"/>
           </a:p>
         </p:txBody>
       </p:sp>
@@ -23386,7 +23319,7 @@
           <p:nvPr>
             <p:extLst>
               <p:ext uri="{D42A27DB-BD31-4B8C-83A1-F6EECF244321}">
-                <p14:modId xmlns:p14="http://schemas.microsoft.com/office/powerpoint/2010/main" val="3038248260"/>
+                <p14:modId xmlns:p14="http://schemas.microsoft.com/office/powerpoint/2010/main" val="2792568009"/>
               </p:ext>
             </p:extLst>
           </p:nvPr>
@@ -23432,7 +23365,7 @@
                     <a:p>
                       <a:pPr algn="ctr"/>
                       <a:r>
-                        <a:rPr lang="de-DE" dirty="0" err="1">
+                        <a:rPr lang="en-US" noProof="0" dirty="0">
                           <a:latin typeface="+mj-lt"/>
                         </a:rPr>
                         <a:t>Relevance</a:t>
@@ -23564,7 +23497,7 @@
         </p:nvSpPr>
         <p:spPr bwMode="auto">
           <a:xfrm>
-            <a:off x="985019" y="3939756"/>
+            <a:off x="1092647" y="3969854"/>
             <a:ext cx="2376264" cy="648072"/>
           </a:xfrm>
           <a:prstGeom prst="rect">
@@ -23615,7 +23548,7 @@
               <a:tabLst/>
             </a:pPr>
             <a:r>
-              <a:rPr kumimoji="0" lang="de-DE" sz="2000" b="0" i="0" u="none" strike="noStrike" cap="none" normalizeH="0" baseline="0" dirty="0" err="1">
+              <a:rPr kumimoji="0" lang="en-US" sz="2000" b="0" i="0" u="none" strike="noStrike" cap="none" normalizeH="0" baseline="0" dirty="0">
                 <a:ln>
                   <a:noFill/>
                 </a:ln>
@@ -23625,57 +23558,8 @@
                 <a:effectLst/>
                 <a:latin typeface="+mj-lt"/>
               </a:rPr>
-              <a:t>Systematic</a:t>
+              <a:t>Systematic Literature Review</a:t>
             </a:r>
-            <a:r>
-              <a:rPr kumimoji="0" lang="de-DE" sz="2000" b="0" i="0" u="none" strike="noStrike" cap="none" normalizeH="0" baseline="0" dirty="0">
-                <a:ln>
-                  <a:noFill/>
-                </a:ln>
-                <a:solidFill>
-                  <a:schemeClr val="tx1"/>
-                </a:solidFill>
-                <a:effectLst/>
-                <a:latin typeface="+mj-lt"/>
-              </a:rPr>
-              <a:t> </a:t>
-            </a:r>
-            <a:r>
-              <a:rPr kumimoji="0" lang="de-DE" sz="2000" b="0" i="0" u="none" strike="noStrike" cap="none" normalizeH="0" baseline="0" dirty="0" err="1">
-                <a:ln>
-                  <a:noFill/>
-                </a:ln>
-                <a:solidFill>
-                  <a:schemeClr val="tx1"/>
-                </a:solidFill>
-                <a:effectLst/>
-                <a:latin typeface="+mj-lt"/>
-              </a:rPr>
-              <a:t>Literature</a:t>
-            </a:r>
-            <a:r>
-              <a:rPr kumimoji="0" lang="de-DE" sz="2000" b="0" i="0" u="none" strike="noStrike" cap="none" normalizeH="0" baseline="0" dirty="0">
-                <a:ln>
-                  <a:noFill/>
-                </a:ln>
-                <a:solidFill>
-                  <a:schemeClr val="tx1"/>
-                </a:solidFill>
-                <a:effectLst/>
-                <a:latin typeface="+mj-lt"/>
-              </a:rPr>
-              <a:t> Review</a:t>
-            </a:r>
-            <a:endParaRPr kumimoji="0" lang="en-AU" sz="2000" b="0" i="0" u="none" strike="noStrike" cap="none" normalizeH="0" baseline="0" dirty="0">
-              <a:ln>
-                <a:noFill/>
-              </a:ln>
-              <a:solidFill>
-                <a:schemeClr val="tx1"/>
-              </a:solidFill>
-              <a:effectLst/>
-              <a:latin typeface="+mj-lt"/>
-            </a:endParaRPr>
           </a:p>
         </p:txBody>
       </p:sp>
@@ -23693,7 +23577,7 @@
         </p:nvSpPr>
         <p:spPr bwMode="auto">
           <a:xfrm>
-            <a:off x="4657427" y="3105758"/>
+            <a:off x="4885470" y="3105758"/>
             <a:ext cx="2376264" cy="648072"/>
           </a:xfrm>
           <a:prstGeom prst="rect">
@@ -23744,7 +23628,7 @@
               <a:tabLst/>
             </a:pPr>
             <a:r>
-              <a:rPr kumimoji="0" lang="de-DE" sz="2000" b="0" i="0" u="none" strike="noStrike" cap="none" normalizeH="0" baseline="0" dirty="0" err="1">
+              <a:rPr kumimoji="0" lang="en-US" sz="2000" b="0" i="0" u="none" strike="noStrike" cap="none" normalizeH="0" baseline="0" dirty="0">
                 <a:ln>
                   <a:noFill/>
                 </a:ln>
@@ -23756,16 +23640,6 @@
               </a:rPr>
               <a:t>Prototyping</a:t>
             </a:r>
-            <a:endParaRPr kumimoji="0" lang="en-AU" sz="2000" b="0" i="0" u="none" strike="noStrike" cap="none" normalizeH="0" baseline="0" dirty="0">
-              <a:ln>
-                <a:noFill/>
-              </a:ln>
-              <a:solidFill>
-                <a:schemeClr val="tx1"/>
-              </a:solidFill>
-              <a:effectLst/>
-              <a:latin typeface="+mj-lt"/>
-            </a:endParaRPr>
           </a:p>
         </p:txBody>
       </p:sp>
@@ -23783,7 +23657,7 @@
         </p:nvSpPr>
         <p:spPr bwMode="auto">
           <a:xfrm>
-            <a:off x="4657427" y="4941962"/>
+            <a:off x="4885470" y="4833949"/>
             <a:ext cx="2376264" cy="648072"/>
           </a:xfrm>
           <a:prstGeom prst="rect">
@@ -23834,7 +23708,7 @@
               <a:tabLst/>
             </a:pPr>
             <a:r>
-              <a:rPr kumimoji="0" lang="de-DE" sz="2000" b="0" i="0" u="none" strike="noStrike" cap="none" normalizeH="0" baseline="0" dirty="0" err="1">
+              <a:rPr kumimoji="0" lang="en-US" sz="2000" b="0" i="0" u="none" strike="noStrike" cap="none" normalizeH="0" baseline="0" dirty="0">
                 <a:ln>
                   <a:noFill/>
                 </a:ln>
@@ -23886,8 +23760,8 @@
         </p:nvSpPr>
         <p:spPr bwMode="auto">
           <a:xfrm>
-            <a:off x="8594027" y="2845967"/>
-            <a:ext cx="2592288" cy="1358867"/>
+            <a:off x="8325596" y="2970266"/>
+            <a:ext cx="2919402" cy="919056"/>
           </a:xfrm>
           <a:prstGeom prst="rect">
             <a:avLst/>
@@ -23937,7 +23811,7 @@
               <a:tabLst/>
             </a:pPr>
             <a:r>
-              <a:rPr kumimoji="0" lang="de-DE" sz="2000" b="0" i="0" u="none" strike="noStrike" cap="none" normalizeH="0" baseline="0" dirty="0">
+              <a:rPr kumimoji="0" lang="en-US" sz="2000" b="0" i="0" u="none" strike="noStrike" cap="none" normalizeH="0" baseline="0" dirty="0">
                 <a:ln>
                   <a:noFill/>
                 </a:ln>
@@ -23947,135 +23821,8 @@
                 <a:effectLst/>
                 <a:latin typeface="+mj-lt"/>
               </a:rPr>
-              <a:t>Semi-</a:t>
+              <a:t>Semi-structured expert interviews / qualitative content analysis</a:t>
             </a:r>
-            <a:r>
-              <a:rPr kumimoji="0" lang="de-DE" sz="2000" b="0" i="0" u="none" strike="noStrike" cap="none" normalizeH="0" baseline="0" dirty="0" err="1">
-                <a:ln>
-                  <a:noFill/>
-                </a:ln>
-                <a:solidFill>
-                  <a:schemeClr val="tx1"/>
-                </a:solidFill>
-                <a:effectLst/>
-                <a:latin typeface="+mj-lt"/>
-              </a:rPr>
-              <a:t>structured</a:t>
-            </a:r>
-            <a:r>
-              <a:rPr kumimoji="0" lang="de-DE" sz="2000" b="0" i="0" u="none" strike="noStrike" cap="none" normalizeH="0" baseline="0" dirty="0">
-                <a:ln>
-                  <a:noFill/>
-                </a:ln>
-                <a:solidFill>
-                  <a:schemeClr val="tx1"/>
-                </a:solidFill>
-                <a:effectLst/>
-                <a:latin typeface="+mj-lt"/>
-              </a:rPr>
-              <a:t> expert </a:t>
-            </a:r>
-            <a:r>
-              <a:rPr kumimoji="0" lang="de-DE" sz="2000" b="0" i="0" u="none" strike="noStrike" cap="none" normalizeH="0" baseline="0" dirty="0" err="1">
-                <a:ln>
-                  <a:noFill/>
-                </a:ln>
-                <a:solidFill>
-                  <a:schemeClr val="tx1"/>
-                </a:solidFill>
-                <a:effectLst/>
-                <a:latin typeface="+mj-lt"/>
-              </a:rPr>
-              <a:t>interviews</a:t>
-            </a:r>
-            <a:r>
-              <a:rPr kumimoji="0" lang="de-DE" sz="2000" b="0" i="0" u="none" strike="noStrike" cap="none" normalizeH="0" baseline="0" dirty="0">
-                <a:ln>
-                  <a:noFill/>
-                </a:ln>
-                <a:solidFill>
-                  <a:schemeClr val="tx1"/>
-                </a:solidFill>
-                <a:effectLst/>
-                <a:latin typeface="+mj-lt"/>
-              </a:rPr>
-              <a:t> </a:t>
-            </a:r>
-            <a:r>
-              <a:rPr kumimoji="0" lang="de-DE" sz="2000" b="0" i="0" u="none" strike="noStrike" cap="none" normalizeH="0" baseline="0" dirty="0" err="1">
-                <a:ln>
-                  <a:noFill/>
-                </a:ln>
-                <a:solidFill>
-                  <a:schemeClr val="tx1"/>
-                </a:solidFill>
-                <a:effectLst/>
-                <a:latin typeface="+mj-lt"/>
-              </a:rPr>
-              <a:t>with</a:t>
-            </a:r>
-            <a:r>
-              <a:rPr kumimoji="0" lang="de-DE" sz="2000" b="0" i="0" u="none" strike="noStrike" cap="none" normalizeH="0" baseline="0" dirty="0">
-                <a:ln>
-                  <a:noFill/>
-                </a:ln>
-                <a:solidFill>
-                  <a:schemeClr val="tx1"/>
-                </a:solidFill>
-                <a:effectLst/>
-                <a:latin typeface="+mj-lt"/>
-              </a:rPr>
-              <a:t> qualitative </a:t>
-            </a:r>
-            <a:r>
-              <a:rPr kumimoji="0" lang="de-DE" sz="2000" b="0" i="0" u="none" strike="noStrike" cap="none" normalizeH="0" baseline="0" dirty="0" err="1">
-                <a:ln>
-                  <a:noFill/>
-                </a:ln>
-                <a:solidFill>
-                  <a:schemeClr val="tx1"/>
-                </a:solidFill>
-                <a:effectLst/>
-                <a:latin typeface="+mj-lt"/>
-              </a:rPr>
-              <a:t>content</a:t>
-            </a:r>
-            <a:r>
-              <a:rPr kumimoji="0" lang="de-DE" sz="2000" b="0" i="0" u="none" strike="noStrike" cap="none" normalizeH="0" baseline="0" dirty="0">
-                <a:ln>
-                  <a:noFill/>
-                </a:ln>
-                <a:solidFill>
-                  <a:schemeClr val="tx1"/>
-                </a:solidFill>
-                <a:effectLst/>
-                <a:latin typeface="+mj-lt"/>
-              </a:rPr>
-              <a:t> </a:t>
-            </a:r>
-            <a:r>
-              <a:rPr kumimoji="0" lang="de-DE" sz="2000" b="0" i="0" u="none" strike="noStrike" cap="none" normalizeH="0" baseline="0" dirty="0" err="1">
-                <a:ln>
-                  <a:noFill/>
-                </a:ln>
-                <a:solidFill>
-                  <a:schemeClr val="tx1"/>
-                </a:solidFill>
-                <a:effectLst/>
-                <a:latin typeface="+mj-lt"/>
-              </a:rPr>
-              <a:t>analysis</a:t>
-            </a:r>
-            <a:endParaRPr kumimoji="0" lang="en-AU" sz="2000" b="0" i="0" u="none" strike="noStrike" cap="none" normalizeH="0" baseline="0" dirty="0">
-              <a:ln>
-                <a:noFill/>
-              </a:ln>
-              <a:solidFill>
-                <a:schemeClr val="tx1"/>
-              </a:solidFill>
-              <a:effectLst/>
-              <a:latin typeface="+mj-lt"/>
-            </a:endParaRPr>
           </a:p>
         </p:txBody>
       </p:sp>
@@ -24093,7 +23840,7 @@
         </p:nvSpPr>
         <p:spPr bwMode="auto">
           <a:xfrm>
-            <a:off x="8597165" y="4941962"/>
+            <a:off x="8597165" y="4833949"/>
             <a:ext cx="2376264" cy="648072"/>
           </a:xfrm>
           <a:prstGeom prst="rect">
@@ -24144,7 +23891,7 @@
               <a:tabLst/>
             </a:pPr>
             <a:r>
-              <a:rPr kumimoji="0" lang="de-DE" sz="2000" b="0" i="0" u="none" strike="noStrike" cap="none" normalizeH="0" baseline="0" dirty="0">
+              <a:rPr kumimoji="0" lang="en-US" sz="2000" b="0" i="0" u="none" strike="noStrike" cap="none" normalizeH="0" baseline="0" dirty="0">
                 <a:ln>
                   <a:noFill/>
                 </a:ln>
@@ -24154,31 +23901,8 @@
                 <a:effectLst/>
                 <a:latin typeface="+mj-lt"/>
               </a:rPr>
-              <a:t>Technical </a:t>
+              <a:t>Technical experiments</a:t>
             </a:r>
-            <a:r>
-              <a:rPr kumimoji="0" lang="de-DE" sz="2000" b="0" i="0" u="none" strike="noStrike" cap="none" normalizeH="0" baseline="0" dirty="0" err="1">
-                <a:ln>
-                  <a:noFill/>
-                </a:ln>
-                <a:solidFill>
-                  <a:schemeClr val="tx1"/>
-                </a:solidFill>
-                <a:effectLst/>
-                <a:latin typeface="+mj-lt"/>
-              </a:rPr>
-              <a:t>experiments</a:t>
-            </a:r>
-            <a:endParaRPr kumimoji="0" lang="en-AU" sz="2000" b="0" i="0" u="none" strike="noStrike" cap="none" normalizeH="0" baseline="0" dirty="0">
-              <a:ln>
-                <a:noFill/>
-              </a:ln>
-              <a:solidFill>
-                <a:schemeClr val="tx1"/>
-              </a:solidFill>
-              <a:effectLst/>
-              <a:latin typeface="+mj-lt"/>
-            </a:endParaRPr>
           </a:p>
         </p:txBody>
       </p:sp>
@@ -24196,8 +23920,98 @@
         </p:nvSpPr>
         <p:spPr bwMode="auto">
           <a:xfrm>
-            <a:off x="4240621" y="2753401"/>
-            <a:ext cx="7272808" cy="1623642"/>
+            <a:off x="4224611" y="4423745"/>
+            <a:ext cx="7272808" cy="1468481"/>
+          </a:xfrm>
+          <a:prstGeom prst="rect">
+            <a:avLst/>
+          </a:prstGeom>
+          <a:noFill/>
+          <a:ln>
+            <a:headEnd type="none" w="med" len="med"/>
+            <a:tailEnd type="none" w="med" len="med"/>
+          </a:ln>
+        </p:spPr>
+        <p:style>
+          <a:lnRef idx="2">
+            <a:schemeClr val="dk1"/>
+          </a:lnRef>
+          <a:fillRef idx="1">
+            <a:schemeClr val="lt1"/>
+          </a:fillRef>
+          <a:effectRef idx="0">
+            <a:schemeClr val="dk1"/>
+          </a:effectRef>
+          <a:fontRef idx="minor">
+            <a:schemeClr val="dk1"/>
+          </a:fontRef>
+        </p:style>
+        <p:txBody>
+          <a:bodyPr rot="0" spcFirstLastPara="0" vertOverflow="overflow" horzOverflow="overflow" vert="horz" wrap="square" lIns="91440" tIns="45720" rIns="91440" bIns="45720" numCol="1" spcCol="0" rtlCol="0" fromWordArt="0" anchor="t" anchorCtr="0" forceAA="0" compatLnSpc="1">
+            <a:prstTxWarp prst="textNoShape">
+              <a:avLst/>
+            </a:prstTxWarp>
+            <a:noAutofit/>
+          </a:bodyPr>
+          <a:lstStyle/>
+          <a:p>
+            <a:r>
+              <a:rPr lang="de-DE" dirty="0">
+                <a:latin typeface="+mj-lt"/>
+              </a:rPr>
+              <a:t>RQ2, RQ3, RQ4</a:t>
+            </a:r>
+            <a:endParaRPr kumimoji="0" lang="en-AU" sz="1800" b="0" i="0" u="none" strike="noStrike" cap="none" normalizeH="0" baseline="0" dirty="0">
+              <a:ln>
+                <a:noFill/>
+              </a:ln>
+              <a:effectLst/>
+              <a:latin typeface="+mj-lt"/>
+            </a:endParaRPr>
+          </a:p>
+          <a:p>
+            <a:pPr marL="0" marR="0" indent="0" algn="l" defTabSz="914400" rtl="0" eaLnBrk="1" fontAlgn="base" latinLnBrk="0" hangingPunct="1">
+              <a:lnSpc>
+                <a:spcPct val="100000"/>
+              </a:lnSpc>
+              <a:spcBef>
+                <a:spcPct val="0"/>
+              </a:spcBef>
+              <a:spcAft>
+                <a:spcPct val="0"/>
+              </a:spcAft>
+              <a:buClrTx/>
+              <a:buSzTx/>
+              <a:buFontTx/>
+              <a:buNone/>
+              <a:tabLst/>
+            </a:pPr>
+            <a:endParaRPr kumimoji="0" lang="en-AU" sz="1800" b="0" i="0" u="none" strike="noStrike" cap="none" normalizeH="0" baseline="0" dirty="0">
+              <a:ln>
+                <a:noFill/>
+              </a:ln>
+              <a:effectLst/>
+              <a:latin typeface="+mj-lt"/>
+            </a:endParaRPr>
+          </a:p>
+        </p:txBody>
+      </p:sp>
+      <p:sp>
+        <p:nvSpPr>
+          <p:cNvPr id="4" name="Rectangle 3">
+            <a:extLst>
+              <a:ext uri="{FF2B5EF4-FFF2-40B4-BE49-F238E27FC236}">
+                <a16:creationId xmlns:a16="http://schemas.microsoft.com/office/drawing/2014/main" id="{CF44286C-E0B3-B425-CE04-3817416FE2F1}"/>
+              </a:ext>
+            </a:extLst>
+          </p:cNvPr>
+          <p:cNvSpPr/>
+          <p:nvPr/>
+        </p:nvSpPr>
+        <p:spPr bwMode="auto">
+          <a:xfrm>
+            <a:off x="4224611" y="2730322"/>
+            <a:ext cx="7272808" cy="1468481"/>
           </a:xfrm>
           <a:prstGeom prst="rect">
             <a:avLst/>
@@ -24248,7 +24062,9 @@
               <a:tabLst/>
             </a:pPr>
             <a:r>
-              <a:rPr lang="de-DE" dirty="0"/>
+              <a:rPr lang="de-DE" dirty="0">
+                <a:latin typeface="+mj-lt"/>
+              </a:rPr>
               <a:t>RQ1</a:t>
             </a:r>
             <a:endParaRPr kumimoji="0" lang="en-AU" sz="1800" b="0" i="0" u="none" strike="noStrike" cap="none" normalizeH="0" baseline="0" dirty="0">
@@ -24256,86 +24072,7 @@
                 <a:noFill/>
               </a:ln>
               <a:effectLst/>
-              <a:latin typeface="Arial" charset="0"/>
-            </a:endParaRPr>
-          </a:p>
-        </p:txBody>
-      </p:sp>
-      <p:sp>
-        <p:nvSpPr>
-          <p:cNvPr id="6" name="Rectangle 5">
-            <a:extLst>
-              <a:ext uri="{FF2B5EF4-FFF2-40B4-BE49-F238E27FC236}">
-                <a16:creationId xmlns:a16="http://schemas.microsoft.com/office/drawing/2014/main" id="{7ECD3D19-11F5-C91C-3914-8AA04592447E}"/>
-              </a:ext>
-            </a:extLst>
-          </p:cNvPr>
-          <p:cNvSpPr/>
-          <p:nvPr/>
-        </p:nvSpPr>
-        <p:spPr bwMode="auto">
-          <a:xfrm>
-            <a:off x="4240621" y="4467328"/>
-            <a:ext cx="7272808" cy="1600741"/>
-          </a:xfrm>
-          <a:prstGeom prst="rect">
-            <a:avLst/>
-          </a:prstGeom>
-          <a:noFill/>
-          <a:ln>
-            <a:headEnd type="none" w="med" len="med"/>
-            <a:tailEnd type="none" w="med" len="med"/>
-          </a:ln>
-        </p:spPr>
-        <p:style>
-          <a:lnRef idx="2">
-            <a:schemeClr val="dk1"/>
-          </a:lnRef>
-          <a:fillRef idx="1">
-            <a:schemeClr val="lt1"/>
-          </a:fillRef>
-          <a:effectRef idx="0">
-            <a:schemeClr val="dk1"/>
-          </a:effectRef>
-          <a:fontRef idx="minor">
-            <a:schemeClr val="dk1"/>
-          </a:fontRef>
-        </p:style>
-        <p:txBody>
-          <a:bodyPr rot="0" spcFirstLastPara="0" vertOverflow="overflow" horzOverflow="overflow" vert="horz" wrap="square" lIns="91440" tIns="45720" rIns="91440" bIns="45720" numCol="1" spcCol="0" rtlCol="0" fromWordArt="0" anchor="t" anchorCtr="0" forceAA="0" compatLnSpc="1">
-            <a:prstTxWarp prst="textNoShape">
-              <a:avLst/>
-            </a:prstTxWarp>
-            <a:noAutofit/>
-          </a:bodyPr>
-          <a:lstStyle/>
-          <a:p>
-            <a:pPr marL="0" marR="0" indent="0" algn="l" defTabSz="914400" rtl="0" eaLnBrk="1" fontAlgn="base" latinLnBrk="0" hangingPunct="1">
-              <a:lnSpc>
-                <a:spcPct val="100000"/>
-              </a:lnSpc>
-              <a:spcBef>
-                <a:spcPct val="0"/>
-              </a:spcBef>
-              <a:spcAft>
-                <a:spcPct val="0"/>
-              </a:spcAft>
-              <a:buClrTx/>
-              <a:buSzTx/>
-              <a:buFontTx/>
-              <a:buNone/>
-              <a:tabLst/>
-            </a:pPr>
-            <a:r>
-              <a:rPr lang="de-DE" dirty="0"/>
-              <a:t>RQ2, RQ3, RQ4</a:t>
-            </a:r>
-            <a:endParaRPr kumimoji="0" lang="en-AU" sz="1800" b="0" i="0" u="none" strike="noStrike" cap="none" normalizeH="0" baseline="0" dirty="0">
-              <a:ln>
-                <a:noFill/>
-              </a:ln>
-              <a:effectLst/>
-              <a:latin typeface="Arial" charset="0"/>
+              <a:latin typeface="+mj-lt"/>
             </a:endParaRPr>
           </a:p>
         </p:txBody>
@@ -24392,34 +24129,17 @@
           <a:lstStyle/>
           <a:p>
             <a:r>
-              <a:rPr lang="de-DE" dirty="0" err="1"/>
+              <a:rPr lang="en-US" dirty="0"/>
               <a:t>Literature</a:t>
-            </a:r>
-            <a:r>
-              <a:rPr lang="de-DE" dirty="0"/>
-              <a:t> &amp; State </a:t>
-            </a:r>
-            <a:r>
-              <a:rPr lang="de-DE" dirty="0" err="1"/>
-              <a:t>of</a:t>
             </a:r>
             <a:r>
               <a:rPr lang="de-DE" dirty="0"/>
               <a:t> </a:t>
             </a:r>
             <a:r>
-              <a:rPr lang="de-DE" dirty="0" err="1"/>
-              <a:t>the</a:t>
+              <a:rPr lang="en-US" dirty="0"/>
+              <a:t>&amp; State of the art</a:t>
             </a:r>
-            <a:r>
-              <a:rPr lang="de-DE" dirty="0"/>
-              <a:t> </a:t>
-            </a:r>
-            <a:r>
-              <a:rPr lang="de-DE" dirty="0" err="1"/>
-              <a:t>art</a:t>
-            </a:r>
-            <a:endParaRPr lang="en-AU" dirty="0"/>
           </a:p>
         </p:txBody>
       </p:sp>
@@ -24445,213 +24165,40 @@
           <a:lstStyle/>
           <a:p>
             <a:r>
-              <a:rPr lang="en-AU" sz="1800" dirty="0"/>
-              <a:t>K. Rabbani, M. </a:t>
-            </a:r>
-            <a:r>
-              <a:rPr lang="en-AU" sz="1800" dirty="0" err="1"/>
-              <a:t>Lissandrini</a:t>
-            </a:r>
-            <a:r>
-              <a:rPr lang="en-AU" sz="1800" dirty="0"/>
-              <a:t>, and K. Hose, “Extraction of Validating Shapes from Very Large Knowledge Graphs,” </a:t>
-            </a:r>
-            <a:r>
-              <a:rPr lang="en-AU" sz="1800" dirty="0" err="1"/>
-              <a:t>en</a:t>
-            </a:r>
-            <a:r>
-              <a:rPr lang="en-AU" sz="1800" dirty="0"/>
-              <a:t>, Proceedings of the VLDB Endowment, vol. 16, no. 5, pp. 1023–1032, Jan. 2023, </a:t>
-            </a:r>
-            <a:r>
-              <a:rPr lang="en-AU" sz="1800" dirty="0" err="1"/>
-              <a:t>issn</a:t>
-            </a:r>
-            <a:r>
-              <a:rPr lang="en-AU" sz="1800" dirty="0"/>
-              <a:t>: 2150-8097. </a:t>
-            </a:r>
-            <a:r>
-              <a:rPr lang="en-AU" sz="1800" dirty="0" err="1"/>
-              <a:t>doi</a:t>
-            </a:r>
-            <a:r>
-              <a:rPr lang="en-AU" sz="1800" dirty="0"/>
-              <a:t>: 10 . 14778 / 3579075 . 3579078. [Online]. Available: 6 https : / / dl . </a:t>
-            </a:r>
-            <a:r>
-              <a:rPr lang="en-AU" sz="1800" dirty="0" err="1"/>
-              <a:t>acm</a:t>
-            </a:r>
-            <a:r>
-              <a:rPr lang="en-AU" sz="1800" dirty="0"/>
-              <a:t> . org / </a:t>
-            </a:r>
-            <a:r>
-              <a:rPr lang="en-AU" sz="1800" dirty="0" err="1"/>
-              <a:t>doi</a:t>
-            </a:r>
-            <a:r>
-              <a:rPr lang="en-AU" sz="1800" dirty="0"/>
-              <a:t> / 10 . 14778 / 3579075 . 3579078 (visited on 11/13/2023).</a:t>
+              <a:rPr lang="en-AU" sz="2000" dirty="0"/>
+              <a:t>K. Rabbani, M. Lissandrini, and K. Hose, “Extraction of Validating Shapes from Very Large Knowledge Graphs,” en, Proceedings of the VLDB Endowment, vol. 16, no. 5, pp. 1023–1032, Jan. 2023, issn: 2150-8097. doi: 10 . 14778 / 3579075 . 3579078. [Online]. Available: 6 https : / / dl . acm . org / doi / 10 . 14778 / 3579075 . 3579078 (visited on 11/13/2023).</a:t>
             </a:r>
           </a:p>
           <a:p>
             <a:r>
-              <a:rPr lang="en-AU" sz="1800" dirty="0"/>
-              <a:t>M. </a:t>
-            </a:r>
-            <a:r>
-              <a:rPr lang="en-AU" sz="1800" dirty="0" err="1"/>
-              <a:t>Frommhold</a:t>
-            </a:r>
-            <a:r>
-              <a:rPr lang="en-AU" sz="1800" dirty="0"/>
-              <a:t>, R. N. </a:t>
-            </a:r>
-            <a:r>
-              <a:rPr lang="en-AU" sz="1800" dirty="0" err="1"/>
-              <a:t>Piris</a:t>
-            </a:r>
-            <a:r>
-              <a:rPr lang="en-AU" sz="1800" dirty="0"/>
-              <a:t>, and N. Arndt, “Towards Versioning of Arbitrary RDF Data,” </a:t>
-            </a:r>
-            <a:r>
-              <a:rPr lang="en-AU" sz="1800" dirty="0" err="1"/>
-              <a:t>en</a:t>
-            </a:r>
-            <a:endParaRPr lang="en-AU" sz="1800" dirty="0"/>
-          </a:p>
-          <a:p>
-            <a:r>
-              <a:rPr lang="en-AU" sz="1800" dirty="0"/>
-              <a:t>R. </a:t>
-            </a:r>
-            <a:r>
-              <a:rPr lang="en-AU" sz="1800" dirty="0" err="1"/>
-              <a:t>Pernischova</a:t>
-            </a:r>
-            <a:r>
-              <a:rPr lang="en-AU" sz="1800" dirty="0"/>
-              <a:t>, D. </a:t>
-            </a:r>
-            <a:r>
-              <a:rPr lang="en-AU" sz="1800" dirty="0" err="1"/>
-              <a:t>Dell’Aglio</a:t>
-            </a:r>
-            <a:r>
-              <a:rPr lang="en-AU" sz="1800" dirty="0"/>
-              <a:t>, M. Horridge, M. Baumgartner, and A. Bernstein, “Toward Predicting Impact of Changes in Evolving Knowledge Graphs,” Oct. 2019.</a:t>
+              <a:rPr lang="en-AU" sz="2000" dirty="0"/>
+              <a:t>M. Frommhold, R. N. Piris, and N. Arndt, “Towards Versioning of Arbitrary RDF Data,” en</a:t>
             </a:r>
           </a:p>
           <a:p>
             <a:r>
-              <a:rPr lang="en-AU" sz="1800" dirty="0"/>
-              <a:t>A. </a:t>
-            </a:r>
-            <a:r>
-              <a:rPr lang="en-AU" sz="1800" dirty="0" err="1"/>
-              <a:t>Schmickl</a:t>
-            </a:r>
-            <a:r>
-              <a:rPr lang="en-AU" sz="1800" dirty="0"/>
-              <a:t>, 5 steps to detect inconsistencies in evolving knowledge graphs, </a:t>
-            </a:r>
-            <a:r>
-              <a:rPr lang="en-AU" sz="1800" dirty="0" err="1"/>
-              <a:t>en</a:t>
-            </a:r>
-            <a:r>
-              <a:rPr lang="en-AU" sz="1800" dirty="0"/>
-              <a:t>, Feb. 2021. [Online]. Available: https://alenaschmickl. medium . com / 5 - steps - to - find - inconsistencies - in - evolving - knowledge-graphs-6f3f88c0ab7b (visited on 11/10/2023). </a:t>
+              <a:rPr lang="en-AU" sz="2000" dirty="0"/>
+              <a:t>R. Pernischova, D. Dell’Aglio, M. Horridge, M. Baumgartner, and A. Bernstein, “Toward Predicting Impact of Changes in Evolving Knowledge Graphs,” Oct. 2019.</a:t>
             </a:r>
           </a:p>
           <a:p>
             <a:r>
-              <a:rPr lang="en-AU" sz="1800" dirty="0"/>
-              <a:t>I. </a:t>
-            </a:r>
-            <a:r>
-              <a:rPr lang="en-AU" sz="1800" dirty="0" err="1"/>
-              <a:t>Boneva</a:t>
-            </a:r>
-            <a:r>
-              <a:rPr lang="en-AU" sz="1800" dirty="0"/>
-              <a:t>, J. </a:t>
-            </a:r>
-            <a:r>
-              <a:rPr lang="en-AU" sz="1800" dirty="0" err="1"/>
-              <a:t>Dusart</a:t>
-            </a:r>
-            <a:r>
-              <a:rPr lang="en-AU" sz="1800" dirty="0"/>
-              <a:t>, D. </a:t>
-            </a:r>
-            <a:r>
-              <a:rPr lang="en-AU" sz="1800" dirty="0" err="1"/>
-              <a:t>Fern´andez</a:t>
-            </a:r>
-            <a:r>
-              <a:rPr lang="en-AU" sz="1800" dirty="0"/>
-              <a:t> Alvarez, and J. E. L. </a:t>
-            </a:r>
-            <a:r>
-              <a:rPr lang="en-AU" sz="1800" dirty="0" err="1"/>
-              <a:t>Gayo</a:t>
-            </a:r>
-            <a:r>
-              <a:rPr lang="en-AU" sz="1800" dirty="0"/>
-              <a:t>, Shape Designer for </a:t>
-            </a:r>
-            <a:r>
-              <a:rPr lang="en-AU" sz="1800" dirty="0" err="1"/>
-              <a:t>ShEx</a:t>
-            </a:r>
-            <a:r>
-              <a:rPr lang="en-AU" sz="1800" dirty="0"/>
-              <a:t> and SHACL Constraints, Published: ISWC 2019 - 18th International Semantic Web Conference, Oct. 2019. [Online]. Available: https://hal.science/hal-02268667 (visited on 11/29/2023).</a:t>
+              <a:rPr lang="en-AU" sz="2000" dirty="0"/>
+              <a:t>A. Schmickl, 5 steps to detect inconsistencies in evolving knowledge graphs, en, Feb. 2021. [Online]. Available: https://alenaschmickl. medium . com / 5 - steps - to - find - inconsistencies - in - evolving - knowledge-graphs-6f3f88c0ab7b (visited on 11/10/2023). </a:t>
             </a:r>
           </a:p>
           <a:p>
             <a:r>
-              <a:rPr lang="en-AU" sz="1800" dirty="0"/>
-              <a:t>A. Keely, </a:t>
+              <a:rPr lang="en-AU" sz="2000" dirty="0"/>
+              <a:t>I. Boneva, J. Dusart, D. Fern´andez Alvarez, and J. E. L. Gayo, Shape Designer for ShEx and SHACL Constraints, Published: ISWC 2019 - 18th International Semantic Web Conference, Oct. 2019. [Online]. Available: https://hal.science/hal-02268667 (visited on 11/29/2023).</a:t>
             </a:r>
+          </a:p>
+          <a:p>
             <a:r>
-              <a:rPr lang="en-AU" sz="1800" dirty="0" err="1"/>
-              <a:t>Shaclgen</a:t>
+              <a:rPr lang="en-AU" sz="2000" dirty="0"/>
+              <a:t>A. Keely, Shaclgen: Shacl graph generator. [Online]. Available: https: //github.com/uwlib-cams/shaclgen (visited on 11/29/2023).</a:t>
             </a:r>
-            <a:r>
-              <a:rPr lang="en-AU" sz="1800" dirty="0"/>
-              <a:t>: </a:t>
-            </a:r>
-            <a:r>
-              <a:rPr lang="en-AU" sz="1800" dirty="0" err="1"/>
-              <a:t>Shacl</a:t>
-            </a:r>
-            <a:r>
-              <a:rPr lang="en-AU" sz="1800" dirty="0"/>
-              <a:t> graph generator. [Online]. Available: https: //github.com/</a:t>
-            </a:r>
-            <a:r>
-              <a:rPr lang="en-AU" sz="1800" dirty="0" err="1"/>
-              <a:t>uwlib</a:t>
-            </a:r>
-            <a:r>
-              <a:rPr lang="en-AU" sz="1800" dirty="0"/>
-              <a:t>-cams/</a:t>
-            </a:r>
-            <a:r>
-              <a:rPr lang="en-AU" sz="1800" dirty="0" err="1"/>
-              <a:t>shaclgen</a:t>
-            </a:r>
-            <a:r>
-              <a:rPr lang="en-AU" sz="1800" dirty="0"/>
-              <a:t> (visited on 11/29/2023).</a:t>
-            </a:r>
-            <a:endParaRPr lang="en-AU" dirty="0"/>
+            <a:endParaRPr lang="en-AU" sz="3600" dirty="0"/>
           </a:p>
         </p:txBody>
       </p:sp>
